--- a/實習報告.pptx
+++ b/實習報告.pptx
@@ -17,7 +17,7 @@
   <p:sldIdLst>
     <p:sldId id="269" r:id="rId6"/>
     <p:sldId id="320" r:id="rId7"/>
-    <p:sldId id="323" r:id="rId8"/>
+    <p:sldId id="327" r:id="rId8"/>
     <p:sldId id="324" r:id="rId9"/>
     <p:sldId id="322" r:id="rId10"/>
     <p:sldId id="325" r:id="rId11"/>
@@ -151,7 +151,7 @@
   </p:defaultTextStyle>
   <p:extLst>
     <p:ext uri="{EFAFB233-063F-42B5-8137-9DF3F51BA10A}">
-      <p15:sldGuideLst xmlns:p15="http://schemas.microsoft.com/office/powerpoint/2012/main" xmlns="">
+      <p15:sldGuideLst xmlns="" xmlns:p15="http://schemas.microsoft.com/office/powerpoint/2012/main">
         <p15:guide id="1" orient="horz" pos="2160">
           <p15:clr>
             <a:srgbClr val="A4A3A4"/>
@@ -165,7 +165,7 @@
       </p15:sldGuideLst>
     </p:ext>
     <p:ext uri="{2D200454-40CA-4A62-9FC3-DE9A4176ACB9}">
-      <p15:notesGuideLst xmlns:p15="http://schemas.microsoft.com/office/powerpoint/2012/main" xmlns="">
+      <p15:notesGuideLst xmlns="" xmlns:p15="http://schemas.microsoft.com/office/powerpoint/2012/main">
         <p15:guide id="1" orient="horz" pos="3224">
           <p15:clr>
             <a:srgbClr val="A4A3A4"/>
@@ -354,7 +354,7 @@
               <a:pPr>
                 <a:defRPr/>
               </a:pPr>
-              <a:t>2021/6/9</a:t>
+              <a:t>2021/6/10</a:t>
             </a:fld>
             <a:endParaRPr lang="en-US" altLang="zh-TW"/>
           </a:p>
@@ -673,7 +673,7 @@
               <a:pPr>
                 <a:defRPr/>
               </a:pPr>
-              <a:t>2021/6/9</a:t>
+              <a:t>2021/6/10</a:t>
             </a:fld>
             <a:endParaRPr lang="en-US" altLang="zh-TW"/>
           </a:p>
@@ -1065,6 +1065,282 @@
 </p:notesMaster>
 </file>
 
+<file path=ppt/notesSlides/notesSlide1.xml><?xml version="1.0" encoding="utf-8"?>
+<p:notes xmlns:a="http://schemas.openxmlformats.org/drawingml/2006/main" xmlns:r="http://schemas.openxmlformats.org/officeDocument/2006/relationships" xmlns:p="http://schemas.openxmlformats.org/presentationml/2006/main">
+  <p:cSld>
+    <p:spTree>
+      <p:nvGrpSpPr>
+        <p:cNvPr id="1" name=""/>
+        <p:cNvGrpSpPr/>
+        <p:nvPr/>
+      </p:nvGrpSpPr>
+      <p:grpSpPr>
+        <a:xfrm>
+          <a:off x="0" y="0"/>
+          <a:ext cx="0" cy="0"/>
+          <a:chOff x="0" y="0"/>
+          <a:chExt cx="0" cy="0"/>
+        </a:xfrm>
+      </p:grpSpPr>
+      <p:sp>
+        <p:nvSpPr>
+          <p:cNvPr id="2" name="投影片圖像版面配置區 1"/>
+          <p:cNvSpPr>
+            <a:spLocks noGrp="1" noRot="1" noChangeAspect="1"/>
+          </p:cNvSpPr>
+          <p:nvPr>
+            <p:ph type="sldImg"/>
+          </p:nvPr>
+        </p:nvSpPr>
+        <p:spPr>
+          <a:xfrm>
+            <a:off x="992188" y="768350"/>
+            <a:ext cx="5114925" cy="3836988"/>
+          </a:xfrm>
+        </p:spPr>
+      </p:sp>
+      <p:sp>
+        <p:nvSpPr>
+          <p:cNvPr id="3" name="備忘稿版面配置區 2"/>
+          <p:cNvSpPr>
+            <a:spLocks noGrp="1"/>
+          </p:cNvSpPr>
+          <p:nvPr>
+            <p:ph type="body" idx="1"/>
+          </p:nvPr>
+        </p:nvSpPr>
+        <p:spPr/>
+        <p:txBody>
+          <a:bodyPr/>
+          <a:lstStyle/>
+          <a:p>
+            <a:pPr marL="0" marR="0" indent="0" algn="l" defTabSz="914400" rtl="0" eaLnBrk="0" fontAlgn="base" latinLnBrk="0" hangingPunct="0">
+              <a:lnSpc>
+                <a:spcPct val="100000"/>
+              </a:lnSpc>
+              <a:spcBef>
+                <a:spcPct val="30000"/>
+              </a:spcBef>
+              <a:spcAft>
+                <a:spcPct val="0"/>
+              </a:spcAft>
+              <a:buClrTx/>
+              <a:buSzTx/>
+              <a:buFontTx/>
+              <a:buNone/>
+              <a:tabLst/>
+              <a:defRPr/>
+            </a:pPr>
+            <a:r>
+              <a:rPr lang="zh-TW" altLang="en-US" sz="1200" dirty="0" smtClean="0">
+                <a:latin typeface="微軟正黑體" panose="020B0604030504040204" pitchFamily="34" charset="-120"/>
+                <a:ea typeface="微軟正黑體" panose="020B0604030504040204" pitchFamily="34" charset="-120"/>
+              </a:rPr>
+              <a:t>在公司的這幾個月，整個模式很像在學校進行畢業專題一樣，剛進去會與主管交換想法意見交流等等，然後討論出方向後，就開始執行，然後部屬，接著上線測試。</a:t>
+            </a:r>
+          </a:p>
+          <a:p>
+            <a:endParaRPr lang="zh-TW" altLang="en-US" dirty="0"/>
+          </a:p>
+        </p:txBody>
+      </p:sp>
+      <p:sp>
+        <p:nvSpPr>
+          <p:cNvPr id="4" name="投影片編號版面配置區 3"/>
+          <p:cNvSpPr>
+            <a:spLocks noGrp="1"/>
+          </p:cNvSpPr>
+          <p:nvPr>
+            <p:ph type="sldNum" sz="quarter" idx="10"/>
+          </p:nvPr>
+        </p:nvSpPr>
+        <p:spPr/>
+        <p:txBody>
+          <a:bodyPr/>
+          <a:lstStyle/>
+          <a:p>
+            <a:pPr>
+              <a:defRPr/>
+            </a:pPr>
+            <a:fld id="{5FAD291C-6D2E-4DD1-BF04-0FBBC1CDA1C2}" type="slidenum">
+              <a:rPr lang="zh-TW" altLang="en-US" smtClean="0"/>
+              <a:pPr>
+                <a:defRPr/>
+              </a:pPr>
+              <a:t>4</a:t>
+            </a:fld>
+            <a:endParaRPr lang="en-US" altLang="zh-TW"/>
+          </a:p>
+        </p:txBody>
+      </p:sp>
+    </p:spTree>
+    <p:extLst>
+      <p:ext uri="{BB962C8B-B14F-4D97-AF65-F5344CB8AC3E}">
+        <p14:creationId xmlns:p14="http://schemas.microsoft.com/office/powerpoint/2010/main" val="1112618390"/>
+      </p:ext>
+    </p:extLst>
+  </p:cSld>
+  <p:clrMapOvr>
+    <a:masterClrMapping/>
+  </p:clrMapOvr>
+</p:notes>
+</file>
+
+<file path=ppt/notesSlides/notesSlide2.xml><?xml version="1.0" encoding="utf-8"?>
+<p:notes xmlns:a="http://schemas.openxmlformats.org/drawingml/2006/main" xmlns:r="http://schemas.openxmlformats.org/officeDocument/2006/relationships" xmlns:p="http://schemas.openxmlformats.org/presentationml/2006/main">
+  <p:cSld>
+    <p:spTree>
+      <p:nvGrpSpPr>
+        <p:cNvPr id="1" name=""/>
+        <p:cNvGrpSpPr/>
+        <p:nvPr/>
+      </p:nvGrpSpPr>
+      <p:grpSpPr>
+        <a:xfrm>
+          <a:off x="0" y="0"/>
+          <a:ext cx="0" cy="0"/>
+          <a:chOff x="0" y="0"/>
+          <a:chExt cx="0" cy="0"/>
+        </a:xfrm>
+      </p:grpSpPr>
+      <p:sp>
+        <p:nvSpPr>
+          <p:cNvPr id="2" name="投影片圖像版面配置區 1"/>
+          <p:cNvSpPr>
+            <a:spLocks noGrp="1" noRot="1" noChangeAspect="1"/>
+          </p:cNvSpPr>
+          <p:nvPr>
+            <p:ph type="sldImg"/>
+          </p:nvPr>
+        </p:nvSpPr>
+        <p:spPr>
+          <a:xfrm>
+            <a:off x="992188" y="768350"/>
+            <a:ext cx="5114925" cy="3836988"/>
+          </a:xfrm>
+        </p:spPr>
+      </p:sp>
+      <p:sp>
+        <p:nvSpPr>
+          <p:cNvPr id="3" name="備忘稿版面配置區 2"/>
+          <p:cNvSpPr>
+            <a:spLocks noGrp="1"/>
+          </p:cNvSpPr>
+          <p:nvPr>
+            <p:ph type="body" idx="1"/>
+          </p:nvPr>
+        </p:nvSpPr>
+        <p:spPr/>
+        <p:txBody>
+          <a:bodyPr/>
+          <a:lstStyle/>
+          <a:p>
+            <a:r>
+              <a:rPr lang="en-US" altLang="zh-TW" sz="1200" dirty="0" smtClean="0">
+                <a:latin typeface="微軟正黑體" panose="020B0604030504040204" pitchFamily="34" charset="-120"/>
+                <a:ea typeface="微軟正黑體" panose="020B0604030504040204" pitchFamily="34" charset="-120"/>
+              </a:rPr>
+              <a:t>	</a:t>
+            </a:r>
+            <a:r>
+              <a:rPr lang="zh-TW" altLang="en-US" sz="1200" dirty="0" smtClean="0">
+                <a:latin typeface="微軟正黑體" panose="020B0604030504040204" pitchFamily="34" charset="-120"/>
+                <a:ea typeface="微軟正黑體" panose="020B0604030504040204" pitchFamily="34" charset="-120"/>
+              </a:rPr>
+              <a:t>在實習的這段期間，其實工作上來說是算蠻愉快的，實習生等同正職人員，還有因為學校課程所學到的應用及畢專所學到的技術，是可以很好的在工作上發揮。</a:t>
+            </a:r>
+            <a:endParaRPr lang="en-US" altLang="zh-TW" sz="1200" dirty="0" smtClean="0">
+              <a:latin typeface="微軟正黑體" panose="020B0604030504040204" pitchFamily="34" charset="-120"/>
+              <a:ea typeface="微軟正黑體" panose="020B0604030504040204" pitchFamily="34" charset="-120"/>
+            </a:endParaRPr>
+          </a:p>
+          <a:p>
+            <a:r>
+              <a:rPr lang="en-US" altLang="zh-TW" sz="1200" dirty="0" smtClean="0">
+                <a:latin typeface="微軟正黑體" panose="020B0604030504040204" pitchFamily="34" charset="-120"/>
+                <a:ea typeface="微軟正黑體" panose="020B0604030504040204" pitchFamily="34" charset="-120"/>
+              </a:rPr>
+              <a:t>	</a:t>
+            </a:r>
+            <a:r>
+              <a:rPr lang="zh-TW" altLang="en-US" sz="1200" dirty="0" smtClean="0">
+                <a:latin typeface="微軟正黑體" panose="020B0604030504040204" pitchFamily="34" charset="-120"/>
+                <a:ea typeface="微軟正黑體" panose="020B0604030504040204" pitchFamily="34" charset="-120"/>
+              </a:rPr>
+              <a:t>然後工作進度的部分，主管也沒有強制規定要做到哪邊，一切都是自己去決定，在自己控管的進度中也可以自學，而且主管人很好，有問題或是困難都可以討論。</a:t>
+            </a:r>
+            <a:endParaRPr lang="en-US" altLang="zh-TW" sz="1200" dirty="0" smtClean="0">
+              <a:latin typeface="微軟正黑體" panose="020B0604030504040204" pitchFamily="34" charset="-120"/>
+              <a:ea typeface="微軟正黑體" panose="020B0604030504040204" pitchFamily="34" charset="-120"/>
+            </a:endParaRPr>
+          </a:p>
+          <a:p>
+            <a:r>
+              <a:rPr lang="en-US" altLang="zh-TW" sz="1200" dirty="0" smtClean="0">
+                <a:latin typeface="微軟正黑體" panose="020B0604030504040204" pitchFamily="34" charset="-120"/>
+                <a:ea typeface="微軟正黑體" panose="020B0604030504040204" pitchFamily="34" charset="-120"/>
+              </a:rPr>
+              <a:t>	</a:t>
+            </a:r>
+            <a:r>
+              <a:rPr lang="zh-TW" altLang="en-US" sz="1200" dirty="0" smtClean="0">
+                <a:latin typeface="微軟正黑體" panose="020B0604030504040204" pitchFamily="34" charset="-120"/>
+                <a:ea typeface="微軟正黑體" panose="020B0604030504040204" pitchFamily="34" charset="-120"/>
+              </a:rPr>
+              <a:t>所以如果是喜歡做專題方面的人，而且不想要整天被進度追著趕的人，我認為來晶元實習是很合適的。</a:t>
+            </a:r>
+            <a:endParaRPr lang="en-US" altLang="zh-TW" sz="1200" dirty="0" smtClean="0">
+              <a:latin typeface="微軟正黑體" panose="020B0604030504040204" pitchFamily="34" charset="-120"/>
+              <a:ea typeface="微軟正黑體" panose="020B0604030504040204" pitchFamily="34" charset="-120"/>
+            </a:endParaRPr>
+          </a:p>
+          <a:p>
+            <a:endParaRPr lang="zh-TW" altLang="en-US" dirty="0"/>
+          </a:p>
+        </p:txBody>
+      </p:sp>
+      <p:sp>
+        <p:nvSpPr>
+          <p:cNvPr id="4" name="投影片編號版面配置區 3"/>
+          <p:cNvSpPr>
+            <a:spLocks noGrp="1"/>
+          </p:cNvSpPr>
+          <p:nvPr>
+            <p:ph type="sldNum" sz="quarter" idx="10"/>
+          </p:nvPr>
+        </p:nvSpPr>
+        <p:spPr/>
+        <p:txBody>
+          <a:bodyPr/>
+          <a:lstStyle/>
+          <a:p>
+            <a:pPr>
+              <a:defRPr/>
+            </a:pPr>
+            <a:fld id="{5FAD291C-6D2E-4DD1-BF04-0FBBC1CDA1C2}" type="slidenum">
+              <a:rPr lang="zh-TW" altLang="en-US" smtClean="0"/>
+              <a:pPr>
+                <a:defRPr/>
+              </a:pPr>
+              <a:t>6</a:t>
+            </a:fld>
+            <a:endParaRPr lang="en-US" altLang="zh-TW"/>
+          </a:p>
+        </p:txBody>
+      </p:sp>
+    </p:spTree>
+    <p:extLst>
+      <p:ext uri="{BB962C8B-B14F-4D97-AF65-F5344CB8AC3E}">
+        <p14:creationId xmlns:p14="http://schemas.microsoft.com/office/powerpoint/2010/main" val="3587612571"/>
+      </p:ext>
+    </p:extLst>
+  </p:cSld>
+  <p:clrMapOvr>
+    <a:masterClrMapping/>
+  </p:clrMapOvr>
+</p:notes>
+</file>
+
 <file path=ppt/slideLayouts/slideLayout1.xml><?xml version="1.0" encoding="utf-8"?>
 <p:sldLayout xmlns:a="http://schemas.openxmlformats.org/drawingml/2006/main" xmlns:r="http://schemas.openxmlformats.org/officeDocument/2006/relationships" xmlns:p="http://schemas.openxmlformats.org/presentationml/2006/main" preserve="1" userDrawn="1">
   <p:cSld name="標題投影片">
@@ -7432,7 +7708,7 @@
           <p:cNvPr id="3" name="標題 2">
             <a:extLst>
               <a:ext uri="{FF2B5EF4-FFF2-40B4-BE49-F238E27FC236}">
-                <a16:creationId xmlns:a16="http://schemas.microsoft.com/office/drawing/2014/main" xmlns="" id="{02841BD1-4659-4429-9287-609E789192E0}"/>
+                <a16:creationId xmlns="" xmlns:a16="http://schemas.microsoft.com/office/drawing/2014/main" id="{02841BD1-4659-4429-9287-609E789192E0}"/>
               </a:ext>
             </a:extLst>
           </p:cNvPr>
@@ -7458,7 +7734,21 @@
                 <a:latin typeface="微軟正黑體" panose="020B0604030504040204" pitchFamily="34" charset="-120"/>
                 <a:ea typeface="微軟正黑體" panose="020B0604030504040204" pitchFamily="34" charset="-120"/>
               </a:rPr>
-              <a:t>實習成果心得</a:t>
+              <a:t>期末實習</a:t>
+            </a:r>
+            <a:r>
+              <a:rPr lang="zh-TW" altLang="en-US" b="1" dirty="0">
+                <a:latin typeface="微軟正黑體" panose="020B0604030504040204" pitchFamily="34" charset="-120"/>
+                <a:ea typeface="微軟正黑體" panose="020B0604030504040204" pitchFamily="34" charset="-120"/>
+              </a:rPr>
+              <a:t>成果</a:t>
+            </a:r>
+            <a:r>
+              <a:rPr lang="zh-TW" altLang="en-US" b="1" dirty="0" smtClean="0">
+                <a:latin typeface="微軟正黑體" panose="020B0604030504040204" pitchFamily="34" charset="-120"/>
+                <a:ea typeface="微軟正黑體" panose="020B0604030504040204" pitchFamily="34" charset="-120"/>
+              </a:rPr>
+              <a:t>發表</a:t>
             </a:r>
             <a:endParaRPr lang="zh-TW" altLang="en-US" b="1" dirty="0">
               <a:latin typeface="微軟正黑體" panose="020B0604030504040204" pitchFamily="34" charset="-120"/>
@@ -7472,7 +7762,7 @@
           <p:cNvPr id="4" name="副標題 3">
             <a:extLst>
               <a:ext uri="{FF2B5EF4-FFF2-40B4-BE49-F238E27FC236}">
-                <a16:creationId xmlns:a16="http://schemas.microsoft.com/office/drawing/2014/main" xmlns="" id="{CADEA803-DC73-473D-9D23-11DCCA68C497}"/>
+                <a16:creationId xmlns="" xmlns:a16="http://schemas.microsoft.com/office/drawing/2014/main" id="{CADEA803-DC73-473D-9D23-11DCCA68C497}"/>
               </a:ext>
             </a:extLst>
           </p:cNvPr>
@@ -7586,7 +7876,7 @@
         </p:nvSpPr>
         <p:spPr>
           <a:xfrm>
-            <a:off x="2411760" y="2564904"/>
+            <a:off x="166365" y="118373"/>
             <a:ext cx="4909691" cy="646331"/>
           </a:xfrm>
           <a:prstGeom prst="rect">
@@ -7605,9 +7895,140 @@
                 <a:latin typeface="微軟正黑體" panose="020B0604030504040204" pitchFamily="34" charset="-120"/>
                 <a:ea typeface="微軟正黑體" panose="020B0604030504040204" pitchFamily="34" charset="-120"/>
               </a:rPr>
-              <a:t>主要工作內容及心得</a:t>
+              <a:t>目錄</a:t>
             </a:r>
             <a:endParaRPr lang="zh-TW" altLang="en-US" sz="3600" b="1" dirty="0">
+              <a:latin typeface="微軟正黑體" panose="020B0604030504040204" pitchFamily="34" charset="-120"/>
+              <a:ea typeface="微軟正黑體" panose="020B0604030504040204" pitchFamily="34" charset="-120"/>
+            </a:endParaRPr>
+          </a:p>
+        </p:txBody>
+      </p:sp>
+      <p:sp>
+        <p:nvSpPr>
+          <p:cNvPr id="5" name="文字方塊 4"/>
+          <p:cNvSpPr txBox="1"/>
+          <p:nvPr/>
+        </p:nvSpPr>
+        <p:spPr>
+          <a:xfrm>
+            <a:off x="1259632" y="1606148"/>
+            <a:ext cx="3707829" cy="3046988"/>
+          </a:xfrm>
+          <a:prstGeom prst="rect">
+            <a:avLst/>
+          </a:prstGeom>
+          <a:noFill/>
+        </p:spPr>
+        <p:txBody>
+          <a:bodyPr wrap="square" rtlCol="0">
+            <a:spAutoFit/>
+          </a:bodyPr>
+          <a:lstStyle/>
+          <a:p>
+            <a:r>
+              <a:rPr lang="zh-TW" altLang="en-US" sz="2400" b="1" dirty="0" smtClean="0">
+                <a:latin typeface="微軟正黑體" panose="020B0604030504040204" pitchFamily="34" charset="-120"/>
+                <a:ea typeface="微軟正黑體" panose="020B0604030504040204" pitchFamily="34" charset="-120"/>
+              </a:rPr>
+              <a:t>為什麼</a:t>
+            </a:r>
+            <a:r>
+              <a:rPr lang="zh-TW" altLang="en-US" sz="2400" b="1" dirty="0">
+                <a:latin typeface="微軟正黑體" panose="020B0604030504040204" pitchFamily="34" charset="-120"/>
+                <a:ea typeface="微軟正黑體" panose="020B0604030504040204" pitchFamily="34" charset="-120"/>
+              </a:rPr>
+              <a:t>要</a:t>
+            </a:r>
+            <a:r>
+              <a:rPr lang="zh-TW" altLang="en-US" sz="2400" b="1" dirty="0" smtClean="0">
+                <a:latin typeface="微軟正黑體" panose="020B0604030504040204" pitchFamily="34" charset="-120"/>
+                <a:ea typeface="微軟正黑體" panose="020B0604030504040204" pitchFamily="34" charset="-120"/>
+              </a:rPr>
+              <a:t>實習 </a:t>
+            </a:r>
+            <a:r>
+              <a:rPr lang="en-US" altLang="zh-TW" sz="2400" b="1" dirty="0" smtClean="0">
+                <a:latin typeface="微軟正黑體" panose="020B0604030504040204" pitchFamily="34" charset="-120"/>
+                <a:ea typeface="微軟正黑體" panose="020B0604030504040204" pitchFamily="34" charset="-120"/>
+              </a:rPr>
+              <a:t>?</a:t>
+            </a:r>
+            <a:endParaRPr lang="en-US" altLang="zh-TW" sz="2400" b="1" dirty="0" smtClean="0">
+              <a:latin typeface="微軟正黑體" panose="020B0604030504040204" pitchFamily="34" charset="-120"/>
+              <a:ea typeface="微軟正黑體" panose="020B0604030504040204" pitchFamily="34" charset="-120"/>
+            </a:endParaRPr>
+          </a:p>
+          <a:p>
+            <a:endParaRPr lang="en-US" altLang="zh-TW" sz="2400" b="1" dirty="0" smtClean="0">
+              <a:latin typeface="微軟正黑體" panose="020B0604030504040204" pitchFamily="34" charset="-120"/>
+              <a:ea typeface="微軟正黑體" panose="020B0604030504040204" pitchFamily="34" charset="-120"/>
+            </a:endParaRPr>
+          </a:p>
+          <a:p>
+            <a:r>
+              <a:rPr lang="zh-TW" altLang="en-US" sz="2400" b="1" dirty="0" smtClean="0">
+                <a:latin typeface="微軟正黑體" panose="020B0604030504040204" pitchFamily="34" charset="-120"/>
+                <a:ea typeface="微軟正黑體" panose="020B0604030504040204" pitchFamily="34" charset="-120"/>
+              </a:rPr>
+              <a:t>實習主要在做什麼</a:t>
+            </a:r>
+            <a:r>
+              <a:rPr lang="en-US" altLang="zh-TW" sz="2400" b="1" dirty="0" smtClean="0">
+                <a:latin typeface="微軟正黑體" panose="020B0604030504040204" pitchFamily="34" charset="-120"/>
+                <a:ea typeface="微軟正黑體" panose="020B0604030504040204" pitchFamily="34" charset="-120"/>
+              </a:rPr>
+              <a:t>?</a:t>
+            </a:r>
+            <a:endParaRPr lang="en-US" altLang="zh-TW" sz="2400" b="1" dirty="0" smtClean="0">
+              <a:latin typeface="微軟正黑體" panose="020B0604030504040204" pitchFamily="34" charset="-120"/>
+              <a:ea typeface="微軟正黑體" panose="020B0604030504040204" pitchFamily="34" charset="-120"/>
+            </a:endParaRPr>
+          </a:p>
+          <a:p>
+            <a:endParaRPr lang="en-US" altLang="zh-TW" sz="2400" b="1" dirty="0" smtClean="0">
+              <a:latin typeface="微軟正黑體" panose="020B0604030504040204" pitchFamily="34" charset="-120"/>
+              <a:ea typeface="微軟正黑體" panose="020B0604030504040204" pitchFamily="34" charset="-120"/>
+            </a:endParaRPr>
+          </a:p>
+          <a:p>
+            <a:r>
+              <a:rPr lang="zh-TW" altLang="en-US" sz="2400" b="1" dirty="0" smtClean="0">
+                <a:latin typeface="微軟正黑體" panose="020B0604030504040204" pitchFamily="34" charset="-120"/>
+                <a:ea typeface="微軟正黑體" panose="020B0604030504040204" pitchFamily="34" charset="-120"/>
+              </a:rPr>
+              <a:t>實習環境及福利</a:t>
+            </a:r>
+            <a:endParaRPr lang="en-US" altLang="zh-TW" sz="2400" b="1" dirty="0">
+              <a:latin typeface="微軟正黑體" panose="020B0604030504040204" pitchFamily="34" charset="-120"/>
+              <a:ea typeface="微軟正黑體" panose="020B0604030504040204" pitchFamily="34" charset="-120"/>
+            </a:endParaRPr>
+          </a:p>
+          <a:p>
+            <a:pPr marL="285750" indent="-285750">
+              <a:buFont typeface="Arial" panose="020B0604020202020204" pitchFamily="34" charset="0"/>
+              <a:buChar char="•"/>
+            </a:pPr>
+            <a:endParaRPr lang="en-US" altLang="zh-TW" sz="2400" b="1" dirty="0" smtClean="0">
+              <a:latin typeface="微軟正黑體" panose="020B0604030504040204" pitchFamily="34" charset="-120"/>
+              <a:ea typeface="微軟正黑體" panose="020B0604030504040204" pitchFamily="34" charset="-120"/>
+            </a:endParaRPr>
+          </a:p>
+          <a:p>
+            <a:r>
+              <a:rPr lang="zh-TW" altLang="en-US" sz="2400" b="1" dirty="0" smtClean="0">
+                <a:latin typeface="微軟正黑體" panose="020B0604030504040204" pitchFamily="34" charset="-120"/>
+                <a:ea typeface="微軟正黑體" panose="020B0604030504040204" pitchFamily="34" charset="-120"/>
+              </a:rPr>
+              <a:t>心得感想及實習所學</a:t>
+            </a:r>
+            <a:endParaRPr lang="en-US" altLang="zh-TW" sz="2400" b="1" dirty="0" smtClean="0">
+              <a:latin typeface="微軟正黑體" panose="020B0604030504040204" pitchFamily="34" charset="-120"/>
+              <a:ea typeface="微軟正黑體" panose="020B0604030504040204" pitchFamily="34" charset="-120"/>
+            </a:endParaRPr>
+          </a:p>
+          <a:p>
+            <a:endParaRPr lang="zh-TW" altLang="en-US" sz="2400" dirty="0">
               <a:latin typeface="微軟正黑體" panose="020B0604030504040204" pitchFamily="34" charset="-120"/>
               <a:ea typeface="微軟正黑體" panose="020B0604030504040204" pitchFamily="34" charset="-120"/>
             </a:endParaRPr>
@@ -7682,14 +8103,52 @@
       </p:sp>
       <p:sp>
         <p:nvSpPr>
-          <p:cNvPr id="3" name="文字方塊 2"/>
+          <p:cNvPr id="4" name="矩形 3"/>
+          <p:cNvSpPr/>
+          <p:nvPr/>
+        </p:nvSpPr>
+        <p:spPr>
+          <a:xfrm>
+            <a:off x="323529" y="138698"/>
+            <a:ext cx="3528391" cy="553998"/>
+          </a:xfrm>
+          <a:prstGeom prst="rect">
+            <a:avLst/>
+          </a:prstGeom>
+        </p:spPr>
+        <p:txBody>
+          <a:bodyPr wrap="square">
+            <a:spAutoFit/>
+          </a:bodyPr>
+          <a:lstStyle/>
+          <a:p>
+            <a:r>
+              <a:rPr lang="zh-TW" altLang="en-US" sz="3000" b="1" dirty="0" smtClean="0">
+                <a:latin typeface="微軟正黑體" panose="020B0604030504040204" pitchFamily="34" charset="-120"/>
+                <a:ea typeface="微軟正黑體" panose="020B0604030504040204" pitchFamily="34" charset="-120"/>
+              </a:rPr>
+              <a:t>為什麼要實習 </a:t>
+            </a:r>
+            <a:r>
+              <a:rPr lang="en-US" altLang="zh-TW" sz="3000" b="1" dirty="0" smtClean="0">
+                <a:latin typeface="微軟正黑體" panose="020B0604030504040204" pitchFamily="34" charset="-120"/>
+                <a:ea typeface="微軟正黑體" panose="020B0604030504040204" pitchFamily="34" charset="-120"/>
+              </a:rPr>
+              <a:t>?</a:t>
+            </a:r>
+          </a:p>
+        </p:txBody>
+      </p:sp>
+      <p:sp>
+        <p:nvSpPr>
+          <p:cNvPr id="5" name="文字方塊 4"/>
           <p:cNvSpPr txBox="1"/>
           <p:nvPr/>
         </p:nvSpPr>
         <p:spPr>
           <a:xfrm>
-            <a:off x="323528" y="1027093"/>
-            <a:ext cx="8658308" cy="369332"/>
+            <a:off x="1259632" y="1666543"/>
+            <a:ext cx="6084093" cy="3046988"/>
           </a:xfrm>
           <a:prstGeom prst="rect">
             <a:avLst/>
@@ -7702,28 +8161,504 @@
           </a:bodyPr>
           <a:lstStyle/>
           <a:p>
-            <a:r>
-              <a:rPr lang="zh-TW" altLang="en-US" dirty="0" smtClean="0">
+            <a:pPr marL="285750" indent="-285750">
+              <a:buFont typeface="Arial" panose="020B0604020202020204" pitchFamily="34" charset="0"/>
+              <a:buChar char="•"/>
+            </a:pPr>
+            <a:r>
+              <a:rPr lang="zh-TW" altLang="en-US" sz="2400" dirty="0">
                 <a:latin typeface="微軟正黑體" panose="020B0604030504040204" pitchFamily="34" charset="-120"/>
                 <a:ea typeface="微軟正黑體" panose="020B0604030504040204" pitchFamily="34" charset="-120"/>
               </a:rPr>
-              <a:t>在晶元光電裡所</a:t>
-            </a:r>
-            <a:r>
-              <a:rPr lang="zh-TW" altLang="en-US" dirty="0">
+              <a:t>四下沒有缺學分</a:t>
+            </a:r>
+            <a:endParaRPr lang="en-US" altLang="zh-TW" sz="2400" dirty="0" smtClean="0">
+              <a:latin typeface="微軟正黑體" panose="020B0604030504040204" pitchFamily="34" charset="-120"/>
+              <a:ea typeface="微軟正黑體" panose="020B0604030504040204" pitchFamily="34" charset="-120"/>
+            </a:endParaRPr>
+          </a:p>
+          <a:p>
+            <a:endParaRPr lang="en-US" altLang="zh-TW" sz="2400" dirty="0" smtClean="0">
+              <a:latin typeface="微軟正黑體" panose="020B0604030504040204" pitchFamily="34" charset="-120"/>
+              <a:ea typeface="微軟正黑體" panose="020B0604030504040204" pitchFamily="34" charset="-120"/>
+            </a:endParaRPr>
+          </a:p>
+          <a:p>
+            <a:pPr marL="285750" indent="-285750">
+              <a:buFont typeface="Arial" panose="020B0604020202020204" pitchFamily="34" charset="0"/>
+              <a:buChar char="•"/>
+            </a:pPr>
+            <a:r>
+              <a:rPr lang="zh-TW" altLang="en-US" sz="2400" dirty="0" smtClean="0">
                 <a:latin typeface="微軟正黑體" panose="020B0604030504040204" pitchFamily="34" charset="-120"/>
                 <a:ea typeface="微軟正黑體" panose="020B0604030504040204" pitchFamily="34" charset="-120"/>
               </a:rPr>
-              <a:t>擔任</a:t>
-            </a:r>
-            <a:r>
-              <a:rPr lang="zh-TW" altLang="en-US" dirty="0" smtClean="0">
+              <a:t>體驗職場生活</a:t>
+            </a:r>
+            <a:endParaRPr lang="en-US" altLang="zh-TW" sz="2400" dirty="0" smtClean="0">
+              <a:latin typeface="微軟正黑體" panose="020B0604030504040204" pitchFamily="34" charset="-120"/>
+              <a:ea typeface="微軟正黑體" panose="020B0604030504040204" pitchFamily="34" charset="-120"/>
+            </a:endParaRPr>
+          </a:p>
+          <a:p>
+            <a:endParaRPr lang="en-US" altLang="zh-TW" sz="2400" dirty="0" smtClean="0">
+              <a:latin typeface="微軟正黑體" panose="020B0604030504040204" pitchFamily="34" charset="-120"/>
+              <a:ea typeface="微軟正黑體" panose="020B0604030504040204" pitchFamily="34" charset="-120"/>
+            </a:endParaRPr>
+          </a:p>
+          <a:p>
+            <a:pPr marL="285750" indent="-285750">
+              <a:buFont typeface="Arial" panose="020B0604020202020204" pitchFamily="34" charset="0"/>
+              <a:buChar char="•"/>
+            </a:pPr>
+            <a:r>
+              <a:rPr lang="zh-TW" altLang="en-US" sz="2400" dirty="0" smtClean="0">
                 <a:latin typeface="微軟正黑體" panose="020B0604030504040204" pitchFamily="34" charset="-120"/>
                 <a:ea typeface="微軟正黑體" panose="020B0604030504040204" pitchFamily="34" charset="-120"/>
               </a:rPr>
-              <a:t>職位是專案實習生，其工作內容是有關工廠影像辨識的部屬計畫</a:t>
-            </a:r>
-            <a:endParaRPr lang="zh-TW" altLang="en-US" dirty="0">
+              <a:t>將學校所學的應用在職場上</a:t>
+            </a:r>
+            <a:endParaRPr lang="en-US" altLang="zh-TW" sz="2400" dirty="0">
+              <a:latin typeface="微軟正黑體" panose="020B0604030504040204" pitchFamily="34" charset="-120"/>
+              <a:ea typeface="微軟正黑體" panose="020B0604030504040204" pitchFamily="34" charset="-120"/>
+            </a:endParaRPr>
+          </a:p>
+          <a:p>
+            <a:pPr marL="285750" indent="-285750">
+              <a:buFont typeface="Arial" panose="020B0604020202020204" pitchFamily="34" charset="0"/>
+              <a:buChar char="•"/>
+            </a:pPr>
+            <a:endParaRPr lang="en-US" altLang="zh-TW" sz="2400" dirty="0" smtClean="0">
+              <a:latin typeface="微軟正黑體" panose="020B0604030504040204" pitchFamily="34" charset="-120"/>
+              <a:ea typeface="微軟正黑體" panose="020B0604030504040204" pitchFamily="34" charset="-120"/>
+            </a:endParaRPr>
+          </a:p>
+          <a:p>
+            <a:pPr marL="285750" indent="-285750">
+              <a:buFont typeface="Arial" panose="020B0604020202020204" pitchFamily="34" charset="0"/>
+              <a:buChar char="•"/>
+            </a:pPr>
+            <a:r>
+              <a:rPr lang="zh-TW" altLang="en-US" sz="2400" dirty="0" smtClean="0">
+                <a:latin typeface="微軟正黑體" panose="020B0604030504040204" pitchFamily="34" charset="-120"/>
+                <a:ea typeface="微軟正黑體" panose="020B0604030504040204" pitchFamily="34" charset="-120"/>
+              </a:rPr>
+              <a:t>生活獨立</a:t>
+            </a:r>
+            <a:r>
+              <a:rPr lang="zh-TW" altLang="en-US" sz="2400" dirty="0">
+                <a:latin typeface="微軟正黑體" panose="020B0604030504040204" pitchFamily="34" charset="-120"/>
+                <a:ea typeface="微軟正黑體" panose="020B0604030504040204" pitchFamily="34" charset="-120"/>
+              </a:rPr>
+              <a:t>，提早存錢</a:t>
+            </a:r>
+            <a:endParaRPr lang="en-US" altLang="zh-TW" sz="2400" dirty="0" smtClean="0">
+              <a:latin typeface="微軟正黑體" panose="020B0604030504040204" pitchFamily="34" charset="-120"/>
+              <a:ea typeface="微軟正黑體" panose="020B0604030504040204" pitchFamily="34" charset="-120"/>
+            </a:endParaRPr>
+          </a:p>
+          <a:p>
+            <a:endParaRPr lang="zh-TW" altLang="en-US" sz="2400" dirty="0">
+              <a:latin typeface="微軟正黑體" panose="020B0604030504040204" pitchFamily="34" charset="-120"/>
+              <a:ea typeface="微軟正黑體" panose="020B0604030504040204" pitchFamily="34" charset="-120"/>
+            </a:endParaRPr>
+          </a:p>
+        </p:txBody>
+      </p:sp>
+    </p:spTree>
+    <p:extLst>
+      <p:ext uri="{BB962C8B-B14F-4D97-AF65-F5344CB8AC3E}">
+        <p14:creationId xmlns:p14="http://schemas.microsoft.com/office/powerpoint/2010/main" val="1154938133"/>
+      </p:ext>
+    </p:extLst>
+  </p:cSld>
+  <p:clrMapOvr>
+    <a:masterClrMapping/>
+  </p:clrMapOvr>
+</p:sld>
+</file>
+
+<file path=ppt/slides/slide4.xml><?xml version="1.0" encoding="utf-8"?>
+<p:sld xmlns:a="http://schemas.openxmlformats.org/drawingml/2006/main" xmlns:r="http://schemas.openxmlformats.org/officeDocument/2006/relationships" xmlns:p="http://schemas.openxmlformats.org/presentationml/2006/main">
+  <p:cSld>
+    <p:spTree>
+      <p:nvGrpSpPr>
+        <p:cNvPr id="1" name=""/>
+        <p:cNvGrpSpPr/>
+        <p:nvPr/>
+      </p:nvGrpSpPr>
+      <p:grpSpPr>
+        <a:xfrm>
+          <a:off x="0" y="0"/>
+          <a:ext cx="0" cy="0"/>
+          <a:chOff x="0" y="0"/>
+          <a:chExt cx="0" cy="0"/>
+        </a:xfrm>
+      </p:grpSpPr>
+      <p:sp>
+        <p:nvSpPr>
+          <p:cNvPr id="2" name="投影片編號版面配置區 1"/>
+          <p:cNvSpPr>
+            <a:spLocks noGrp="1"/>
+          </p:cNvSpPr>
+          <p:nvPr>
+            <p:ph type="sldNum" sz="quarter" idx="10"/>
+          </p:nvPr>
+        </p:nvSpPr>
+        <p:spPr/>
+        <p:txBody>
+          <a:bodyPr/>
+          <a:lstStyle/>
+          <a:p>
+            <a:pPr>
+              <a:defRPr/>
+            </a:pPr>
+            <a:fld id="{70E5D7CE-1223-4BF6-8CB5-04CD8FC2427E}" type="slidenum">
+              <a:rPr lang="en-US" altLang="zh-TW" smtClean="0"/>
+              <a:pPr>
+                <a:defRPr/>
+              </a:pPr>
+              <a:t>4</a:t>
+            </a:fld>
+            <a:endParaRPr lang="en-US" altLang="zh-TW"/>
+          </a:p>
+        </p:txBody>
+      </p:sp>
+      <p:sp>
+        <p:nvSpPr>
+          <p:cNvPr id="20" name="矩形 19"/>
+          <p:cNvSpPr/>
+          <p:nvPr/>
+        </p:nvSpPr>
+        <p:spPr>
+          <a:xfrm>
+            <a:off x="323529" y="138698"/>
+            <a:ext cx="3528391" cy="553998"/>
+          </a:xfrm>
+          <a:prstGeom prst="rect">
+            <a:avLst/>
+          </a:prstGeom>
+        </p:spPr>
+        <p:txBody>
+          <a:bodyPr wrap="square">
+            <a:spAutoFit/>
+          </a:bodyPr>
+          <a:lstStyle/>
+          <a:p>
+            <a:r>
+              <a:rPr lang="zh-TW" altLang="en-US" sz="3000" b="1" dirty="0">
+                <a:latin typeface="微軟正黑體" panose="020B0604030504040204" pitchFamily="34" charset="-120"/>
+                <a:ea typeface="微軟正黑體" panose="020B0604030504040204" pitchFamily="34" charset="-120"/>
+              </a:rPr>
+              <a:t>實習</a:t>
+            </a:r>
+            <a:r>
+              <a:rPr lang="zh-TW" altLang="en-US" sz="3000" b="1" dirty="0" smtClean="0">
+                <a:latin typeface="微軟正黑體" panose="020B0604030504040204" pitchFamily="34" charset="-120"/>
+                <a:ea typeface="微軟正黑體" panose="020B0604030504040204" pitchFamily="34" charset="-120"/>
+              </a:rPr>
+              <a:t>主要</a:t>
+            </a:r>
+            <a:r>
+              <a:rPr lang="zh-TW" altLang="en-US" sz="3000" b="1" dirty="0" smtClean="0">
+                <a:latin typeface="微軟正黑體" panose="020B0604030504040204" pitchFamily="34" charset="-120"/>
+                <a:ea typeface="微軟正黑體" panose="020B0604030504040204" pitchFamily="34" charset="-120"/>
+              </a:rPr>
+              <a:t>在</a:t>
+            </a:r>
+            <a:r>
+              <a:rPr lang="zh-TW" altLang="en-US" sz="3000" b="1" dirty="0" smtClean="0">
+                <a:latin typeface="微軟正黑體" panose="020B0604030504040204" pitchFamily="34" charset="-120"/>
+                <a:ea typeface="微軟正黑體" panose="020B0604030504040204" pitchFamily="34" charset="-120"/>
+              </a:rPr>
+              <a:t>做什麼</a:t>
+            </a:r>
+            <a:r>
+              <a:rPr lang="en-US" altLang="zh-TW" sz="3000" b="1" dirty="0" smtClean="0">
+                <a:latin typeface="微軟正黑體" panose="020B0604030504040204" pitchFamily="34" charset="-120"/>
+                <a:ea typeface="微軟正黑體" panose="020B0604030504040204" pitchFamily="34" charset="-120"/>
+              </a:rPr>
+              <a:t>?</a:t>
+            </a:r>
+            <a:endParaRPr lang="zh-TW" altLang="en-US" sz="3000" b="1" dirty="0">
+              <a:latin typeface="微軟正黑體" panose="020B0604030504040204" pitchFamily="34" charset="-120"/>
+              <a:ea typeface="微軟正黑體" panose="020B0604030504040204" pitchFamily="34" charset="-120"/>
+            </a:endParaRPr>
+          </a:p>
+        </p:txBody>
+      </p:sp>
+      <p:sp>
+        <p:nvSpPr>
+          <p:cNvPr id="22" name="文字方塊 21"/>
+          <p:cNvSpPr txBox="1"/>
+          <p:nvPr/>
+        </p:nvSpPr>
+        <p:spPr>
+          <a:xfrm>
+            <a:off x="316681" y="980728"/>
+            <a:ext cx="8503789" cy="400110"/>
+          </a:xfrm>
+          <a:prstGeom prst="rect">
+            <a:avLst/>
+          </a:prstGeom>
+          <a:noFill/>
+        </p:spPr>
+        <p:txBody>
+          <a:bodyPr wrap="square" rtlCol="0">
+            <a:spAutoFit/>
+          </a:bodyPr>
+          <a:lstStyle/>
+          <a:p>
+            <a:r>
+              <a:rPr lang="en-US" altLang="zh-TW" dirty="0">
+                <a:latin typeface="微軟正黑體" panose="020B0604030504040204" pitchFamily="34" charset="-120"/>
+                <a:ea typeface="微軟正黑體" panose="020B0604030504040204" pitchFamily="34" charset="-120"/>
+              </a:rPr>
+              <a:t>	</a:t>
+            </a:r>
+            <a:endParaRPr lang="zh-TW" altLang="en-US" sz="2000" dirty="0">
+              <a:latin typeface="微軟正黑體" panose="020B0604030504040204" pitchFamily="34" charset="-120"/>
+              <a:ea typeface="微軟正黑體" panose="020B0604030504040204" pitchFamily="34" charset="-120"/>
+            </a:endParaRPr>
+          </a:p>
+        </p:txBody>
+      </p:sp>
+      <p:sp>
+        <p:nvSpPr>
+          <p:cNvPr id="24" name="文字方塊 23"/>
+          <p:cNvSpPr txBox="1"/>
+          <p:nvPr/>
+        </p:nvSpPr>
+        <p:spPr>
+          <a:xfrm>
+            <a:off x="5436096" y="3717032"/>
+            <a:ext cx="3366554" cy="1938992"/>
+          </a:xfrm>
+          <a:prstGeom prst="rect">
+            <a:avLst/>
+          </a:prstGeom>
+          <a:noFill/>
+          <a:ln>
+            <a:solidFill>
+              <a:srgbClr val="C00000"/>
+            </a:solidFill>
+          </a:ln>
+        </p:spPr>
+        <p:txBody>
+          <a:bodyPr wrap="square" rtlCol="0">
+            <a:spAutoFit/>
+          </a:bodyPr>
+          <a:lstStyle/>
+          <a:p>
+            <a:r>
+              <a:rPr lang="zh-TW" altLang="en-US" sz="2000" dirty="0">
+                <a:latin typeface="微軟正黑體" panose="020B0604030504040204" pitchFamily="34" charset="-120"/>
+                <a:ea typeface="微軟正黑體" panose="020B0604030504040204" pitchFamily="34" charset="-120"/>
+              </a:rPr>
+              <a:t>實習</a:t>
+            </a:r>
+            <a:r>
+              <a:rPr lang="zh-TW" altLang="en-US" sz="2000" dirty="0" smtClean="0">
+                <a:latin typeface="微軟正黑體" panose="020B0604030504040204" pitchFamily="34" charset="-120"/>
+                <a:ea typeface="微軟正黑體" panose="020B0604030504040204" pitchFamily="34" charset="-120"/>
+              </a:rPr>
+              <a:t>內容</a:t>
+            </a:r>
+            <a:r>
+              <a:rPr lang="en-US" altLang="zh-TW" sz="2000" dirty="0" smtClean="0">
+                <a:latin typeface="微軟正黑體" panose="020B0604030504040204" pitchFamily="34" charset="-120"/>
+                <a:ea typeface="微軟正黑體" panose="020B0604030504040204" pitchFamily="34" charset="-120"/>
+              </a:rPr>
+              <a:t>:</a:t>
+            </a:r>
+          </a:p>
+          <a:p>
+            <a:r>
+              <a:rPr lang="en-US" altLang="zh-TW" sz="2000" dirty="0">
+                <a:latin typeface="微軟正黑體" panose="020B0604030504040204" pitchFamily="34" charset="-120"/>
+                <a:ea typeface="微軟正黑體" panose="020B0604030504040204" pitchFamily="34" charset="-120"/>
+              </a:rPr>
+              <a:t>	</a:t>
+            </a:r>
+            <a:r>
+              <a:rPr lang="zh-TW" altLang="en-US" sz="2000" dirty="0" smtClean="0">
+                <a:latin typeface="微軟正黑體" panose="020B0604030504040204" pitchFamily="34" charset="-120"/>
+                <a:ea typeface="微軟正黑體" panose="020B0604030504040204" pitchFamily="34" charset="-120"/>
+              </a:rPr>
+              <a:t> </a:t>
+            </a:r>
+            <a:r>
+              <a:rPr lang="en-US" altLang="zh-TW" sz="2000" dirty="0" smtClean="0">
+                <a:latin typeface="微軟正黑體" panose="020B0604030504040204" pitchFamily="34" charset="-120"/>
+                <a:ea typeface="微軟正黑體" panose="020B0604030504040204" pitchFamily="34" charset="-120"/>
+              </a:rPr>
+              <a:t>1.</a:t>
+            </a:r>
+            <a:r>
+              <a:rPr lang="zh-TW" altLang="en-US" sz="2000" dirty="0" smtClean="0">
+                <a:latin typeface="微軟正黑體" panose="020B0604030504040204" pitchFamily="34" charset="-120"/>
+                <a:ea typeface="微軟正黑體" panose="020B0604030504040204" pitchFamily="34" charset="-120"/>
+              </a:rPr>
+              <a:t>每週進度報告</a:t>
+            </a:r>
+            <a:endParaRPr lang="en-US" altLang="zh-TW" sz="2000" dirty="0" smtClean="0">
+              <a:latin typeface="微軟正黑體" panose="020B0604030504040204" pitchFamily="34" charset="-120"/>
+              <a:ea typeface="微軟正黑體" panose="020B0604030504040204" pitchFamily="34" charset="-120"/>
+            </a:endParaRPr>
+          </a:p>
+          <a:p>
+            <a:r>
+              <a:rPr lang="en-US" altLang="zh-TW" sz="2000" dirty="0">
+                <a:latin typeface="微軟正黑體" panose="020B0604030504040204" pitchFamily="34" charset="-120"/>
+                <a:ea typeface="微軟正黑體" panose="020B0604030504040204" pitchFamily="34" charset="-120"/>
+              </a:rPr>
+              <a:t>	</a:t>
+            </a:r>
+            <a:r>
+              <a:rPr lang="zh-TW" altLang="en-US" sz="2000" dirty="0" smtClean="0">
+                <a:latin typeface="微軟正黑體" panose="020B0604030504040204" pitchFamily="34" charset="-120"/>
+                <a:ea typeface="微軟正黑體" panose="020B0604030504040204" pitchFamily="34" charset="-120"/>
+              </a:rPr>
+              <a:t> </a:t>
+            </a:r>
+            <a:r>
+              <a:rPr lang="en-US" altLang="zh-TW" sz="2000" dirty="0">
+                <a:latin typeface="微軟正黑體" panose="020B0604030504040204" pitchFamily="34" charset="-120"/>
+                <a:ea typeface="微軟正黑體" panose="020B0604030504040204" pitchFamily="34" charset="-120"/>
+              </a:rPr>
+              <a:t>2.</a:t>
+            </a:r>
+            <a:r>
+              <a:rPr lang="zh-TW" altLang="en-US" sz="2000" dirty="0">
+                <a:latin typeface="微軟正黑體" panose="020B0604030504040204" pitchFamily="34" charset="-120"/>
+                <a:ea typeface="微軟正黑體" panose="020B0604030504040204" pitchFamily="34" charset="-120"/>
+              </a:rPr>
+              <a:t>硬體</a:t>
+            </a:r>
+            <a:r>
+              <a:rPr lang="zh-TW" altLang="en-US" sz="2000" dirty="0" smtClean="0">
+                <a:latin typeface="微軟正黑體" panose="020B0604030504040204" pitchFamily="34" charset="-120"/>
+                <a:ea typeface="微軟正黑體" panose="020B0604030504040204" pitchFamily="34" charset="-120"/>
+              </a:rPr>
+              <a:t>環境</a:t>
+            </a:r>
+            <a:r>
+              <a:rPr lang="zh-TW" altLang="en-US" sz="2000" dirty="0">
+                <a:latin typeface="微軟正黑體" panose="020B0604030504040204" pitchFamily="34" charset="-120"/>
+                <a:ea typeface="微軟正黑體" panose="020B0604030504040204" pitchFamily="34" charset="-120"/>
+              </a:rPr>
+              <a:t>架設</a:t>
+            </a:r>
+            <a:endParaRPr lang="en-US" altLang="zh-TW" sz="2000" dirty="0">
+              <a:latin typeface="微軟正黑體" panose="020B0604030504040204" pitchFamily="34" charset="-120"/>
+              <a:ea typeface="微軟正黑體" panose="020B0604030504040204" pitchFamily="34" charset="-120"/>
+            </a:endParaRPr>
+          </a:p>
+          <a:p>
+            <a:r>
+              <a:rPr lang="en-US" altLang="zh-TW" sz="2000" dirty="0" smtClean="0">
+                <a:latin typeface="微軟正黑體" panose="020B0604030504040204" pitchFamily="34" charset="-120"/>
+                <a:ea typeface="微軟正黑體" panose="020B0604030504040204" pitchFamily="34" charset="-120"/>
+              </a:rPr>
+              <a:t>	</a:t>
+            </a:r>
+            <a:r>
+              <a:rPr lang="zh-TW" altLang="en-US" sz="2000" dirty="0" smtClean="0">
+                <a:latin typeface="微軟正黑體" panose="020B0604030504040204" pitchFamily="34" charset="-120"/>
+                <a:ea typeface="微軟正黑體" panose="020B0604030504040204" pitchFamily="34" charset="-120"/>
+              </a:rPr>
+              <a:t> </a:t>
+            </a:r>
+            <a:r>
+              <a:rPr lang="en-US" altLang="zh-TW" sz="2000" dirty="0" smtClean="0">
+                <a:latin typeface="微軟正黑體" panose="020B0604030504040204" pitchFamily="34" charset="-120"/>
+                <a:ea typeface="微軟正黑體" panose="020B0604030504040204" pitchFamily="34" charset="-120"/>
+              </a:rPr>
+              <a:t>3.Python</a:t>
+            </a:r>
+            <a:r>
+              <a:rPr lang="zh-TW" altLang="en-US" sz="2000" dirty="0" smtClean="0">
+                <a:latin typeface="微軟正黑體" panose="020B0604030504040204" pitchFamily="34" charset="-120"/>
+                <a:ea typeface="微軟正黑體" panose="020B0604030504040204" pitchFamily="34" charset="-120"/>
+              </a:rPr>
+              <a:t>程式撰寫</a:t>
+            </a:r>
+            <a:endParaRPr lang="en-US" altLang="zh-TW" sz="2000" dirty="0" smtClean="0">
+              <a:latin typeface="微軟正黑體" panose="020B0604030504040204" pitchFamily="34" charset="-120"/>
+              <a:ea typeface="微軟正黑體" panose="020B0604030504040204" pitchFamily="34" charset="-120"/>
+            </a:endParaRPr>
+          </a:p>
+          <a:p>
+            <a:r>
+              <a:rPr lang="en-US" altLang="zh-TW" sz="2000" dirty="0" smtClean="0">
+                <a:latin typeface="微軟正黑體" panose="020B0604030504040204" pitchFamily="34" charset="-120"/>
+                <a:ea typeface="微軟正黑體" panose="020B0604030504040204" pitchFamily="34" charset="-120"/>
+              </a:rPr>
+              <a:t>	 4.YOLO</a:t>
+            </a:r>
+            <a:r>
+              <a:rPr lang="zh-TW" altLang="en-US" sz="2000" dirty="0" smtClean="0">
+                <a:latin typeface="微軟正黑體" panose="020B0604030504040204" pitchFamily="34" charset="-120"/>
+                <a:ea typeface="微軟正黑體" panose="020B0604030504040204" pitchFamily="34" charset="-120"/>
+              </a:rPr>
+              <a:t>模型</a:t>
+            </a:r>
+            <a:r>
+              <a:rPr lang="zh-TW" altLang="en-US" sz="2000" dirty="0">
+                <a:latin typeface="微軟正黑體" panose="020B0604030504040204" pitchFamily="34" charset="-120"/>
+                <a:ea typeface="微軟正黑體" panose="020B0604030504040204" pitchFamily="34" charset="-120"/>
+              </a:rPr>
+              <a:t>訓練及優化</a:t>
+            </a:r>
+            <a:endParaRPr lang="en-US" altLang="zh-TW" sz="2000" dirty="0" smtClean="0">
+              <a:latin typeface="微軟正黑體" panose="020B0604030504040204" pitchFamily="34" charset="-120"/>
+              <a:ea typeface="微軟正黑體" panose="020B0604030504040204" pitchFamily="34" charset="-120"/>
+            </a:endParaRPr>
+          </a:p>
+          <a:p>
+            <a:r>
+              <a:rPr lang="en-US" altLang="zh-TW" sz="2000" dirty="0">
+                <a:latin typeface="微軟正黑體" panose="020B0604030504040204" pitchFamily="34" charset="-120"/>
+                <a:ea typeface="微軟正黑體" panose="020B0604030504040204" pitchFamily="34" charset="-120"/>
+              </a:rPr>
+              <a:t>	</a:t>
+            </a:r>
+            <a:r>
+              <a:rPr lang="zh-TW" altLang="en-US" sz="2000" dirty="0" smtClean="0">
+                <a:latin typeface="微軟正黑體" panose="020B0604030504040204" pitchFamily="34" charset="-120"/>
+                <a:ea typeface="微軟正黑體" panose="020B0604030504040204" pitchFamily="34" charset="-120"/>
+              </a:rPr>
+              <a:t> </a:t>
+            </a:r>
+            <a:r>
+              <a:rPr lang="en-US" altLang="zh-TW" sz="2000" dirty="0">
+                <a:latin typeface="微軟正黑體" panose="020B0604030504040204" pitchFamily="34" charset="-120"/>
+                <a:ea typeface="微軟正黑體" panose="020B0604030504040204" pitchFamily="34" charset="-120"/>
+              </a:rPr>
+              <a:t>5</a:t>
+            </a:r>
+            <a:r>
+              <a:rPr lang="en-US" altLang="zh-TW" sz="2000" dirty="0" smtClean="0">
+                <a:latin typeface="微軟正黑體" panose="020B0604030504040204" pitchFamily="34" charset="-120"/>
+                <a:ea typeface="微軟正黑體" panose="020B0604030504040204" pitchFamily="34" charset="-120"/>
+              </a:rPr>
+              <a:t>.</a:t>
+            </a:r>
+            <a:r>
+              <a:rPr lang="zh-TW" altLang="en-US" sz="2000" dirty="0" smtClean="0">
+                <a:latin typeface="微軟正黑體" panose="020B0604030504040204" pitchFamily="34" charset="-120"/>
+                <a:ea typeface="微軟正黑體" panose="020B0604030504040204" pitchFamily="34" charset="-120"/>
+              </a:rPr>
+              <a:t>參與內外部</a:t>
+            </a:r>
+            <a:r>
+              <a:rPr lang="zh-TW" altLang="en-US" sz="2000" dirty="0" smtClean="0">
+                <a:latin typeface="微軟正黑體" panose="020B0604030504040204" pitchFamily="34" charset="-120"/>
+                <a:ea typeface="微軟正黑體" panose="020B0604030504040204" pitchFamily="34" charset="-120"/>
+              </a:rPr>
+              <a:t>會議</a:t>
+            </a:r>
+            <a:endParaRPr lang="en-US" altLang="zh-TW" sz="2000" dirty="0">
               <a:latin typeface="微軟正黑體" panose="020B0604030504040204" pitchFamily="34" charset="-120"/>
               <a:ea typeface="微軟正黑體" panose="020B0604030504040204" pitchFamily="34" charset="-120"/>
             </a:endParaRPr>
@@ -7732,14 +8667,14 @@
       </p:sp>
       <p:pic>
         <p:nvPicPr>
-          <p:cNvPr id="20" name="Picture 5"/>
+          <p:cNvPr id="6" name="Picture 7"/>
           <p:cNvPicPr>
             <a:picLocks noChangeAspect="1" noChangeArrowheads="1"/>
           </p:cNvPicPr>
           <p:nvPr/>
         </p:nvPicPr>
         <p:blipFill>
-          <a:blip r:embed="rId2">
+          <a:blip r:embed="rId3">
             <a:extLst>
               <a:ext uri="{28A0092B-C50C-407E-A947-70E740481C1C}">
                 <a14:useLocalDpi xmlns:a14="http://schemas.microsoft.com/office/drawing/2010/main" val="0"/>
@@ -7753,8 +8688,8 @@
         </p:blipFill>
         <p:spPr bwMode="auto">
           <a:xfrm>
-            <a:off x="3530384" y="2235504"/>
-            <a:ext cx="1204252" cy="711906"/>
+            <a:off x="3437977" y="3504026"/>
+            <a:ext cx="1163220" cy="1255053"/>
           </a:xfrm>
           <a:prstGeom prst="rect">
             <a:avLst/>
@@ -7794,69 +8729,9 @@
           </a:extLst>
         </p:spPr>
       </p:pic>
-      <p:sp>
-        <p:nvSpPr>
-          <p:cNvPr id="21" name="文字方塊 20"/>
-          <p:cNvSpPr txBox="1"/>
-          <p:nvPr/>
-        </p:nvSpPr>
-        <p:spPr>
-          <a:xfrm>
-            <a:off x="3678138" y="3275692"/>
-            <a:ext cx="1901974" cy="369332"/>
-          </a:xfrm>
-          <a:prstGeom prst="rect">
-            <a:avLst/>
-          </a:prstGeom>
-          <a:noFill/>
-        </p:spPr>
-        <p:txBody>
-          <a:bodyPr wrap="square" rtlCol="0">
-            <a:spAutoFit/>
-          </a:bodyPr>
-          <a:lstStyle/>
-          <a:p>
-            <a:r>
-              <a:rPr lang="en-US" altLang="zh-TW" dirty="0" smtClean="0"/>
-              <a:t>Edge Computer</a:t>
-            </a:r>
-            <a:endParaRPr lang="zh-TW" altLang="en-US" dirty="0"/>
-          </a:p>
-        </p:txBody>
-      </p:sp>
       <p:pic>
         <p:nvPicPr>
-          <p:cNvPr id="22" name="圖片 21"/>
-          <p:cNvPicPr>
-            <a:picLocks noChangeAspect="1"/>
-          </p:cNvPicPr>
-          <p:nvPr/>
-        </p:nvPicPr>
-        <p:blipFill>
-          <a:blip r:embed="rId3">
-            <a:extLst>
-              <a:ext uri="{28A0092B-C50C-407E-A947-70E740481C1C}">
-                <a14:useLocalDpi xmlns:a14="http://schemas.microsoft.com/office/drawing/2010/main" val="0"/>
-              </a:ext>
-            </a:extLst>
-          </a:blip>
-          <a:stretch>
-            <a:fillRect/>
-          </a:stretch>
-        </p:blipFill>
-        <p:spPr>
-          <a:xfrm>
-            <a:off x="6300193" y="2117361"/>
-            <a:ext cx="1944215" cy="1324581"/>
-          </a:xfrm>
-          <a:prstGeom prst="rect">
-            <a:avLst/>
-          </a:prstGeom>
-        </p:spPr>
-      </p:pic>
-      <p:pic>
-        <p:nvPicPr>
-          <p:cNvPr id="23" name="Picture 4" descr="C:\Users\24153\label\images\image001.jpg"/>
+          <p:cNvPr id="7" name="Picture 5"/>
           <p:cNvPicPr>
             <a:picLocks noChangeAspect="1" noChangeArrowheads="1"/>
           </p:cNvPicPr>
@@ -7877,33 +8752,96 @@
         </p:blipFill>
         <p:spPr bwMode="auto">
           <a:xfrm>
-            <a:off x="683568" y="2117361"/>
-            <a:ext cx="1944216" cy="1324581"/>
+            <a:off x="3326490" y="1439592"/>
+            <a:ext cx="1767671" cy="1044977"/>
           </a:xfrm>
           <a:prstGeom prst="rect">
             <a:avLst/>
           </a:prstGeom>
           <a:noFill/>
+          <a:ln>
+            <a:noFill/>
+          </a:ln>
+          <a:effectLst/>
           <a:extLst>
             <a:ext uri="{909E8E84-426E-40DD-AFC4-6F175D3DCCD1}">
               <a14:hiddenFill xmlns:a14="http://schemas.microsoft.com/office/drawing/2010/main">
                 <a:solidFill>
-                  <a:srgbClr val="FFFFFF"/>
+                  <a:schemeClr val="accent1"/>
                 </a:solidFill>
               </a14:hiddenFill>
+            </a:ext>
+            <a:ext uri="{91240B29-F687-4F45-9708-019B960494DF}">
+              <a14:hiddenLine xmlns:a14="http://schemas.microsoft.com/office/drawing/2010/main" w="9525">
+                <a:solidFill>
+                  <a:schemeClr val="tx1"/>
+                </a:solidFill>
+                <a:miter lim="800000"/>
+                <a:headEnd/>
+                <a:tailEnd/>
+              </a14:hiddenLine>
+            </a:ext>
+            <a:ext uri="{AF507438-7753-43E0-B8FC-AC1667EBCBE1}">
+              <a14:hiddenEffects xmlns:a14="http://schemas.microsoft.com/office/drawing/2010/main">
+                <a:effectLst>
+                  <a:outerShdw dist="35921" dir="2700000" algn="ctr" rotWithShape="0">
+                    <a:schemeClr val="bg2"/>
+                  </a:outerShdw>
+                </a:effectLst>
+              </a14:hiddenEffects>
             </a:ext>
           </a:extLst>
         </p:spPr>
       </p:pic>
+      <p:pic>
+        <p:nvPicPr>
+          <p:cNvPr id="8" name="圖片 7"/>
+          <p:cNvPicPr>
+            <a:picLocks noChangeAspect="1"/>
+          </p:cNvPicPr>
+          <p:nvPr/>
+        </p:nvPicPr>
+        <p:blipFill>
+          <a:blip r:embed="rId5">
+            <a:extLst>
+              <a:ext uri="{28A0092B-C50C-407E-A947-70E740481C1C}">
+                <a14:useLocalDpi xmlns:a14="http://schemas.microsoft.com/office/drawing/2010/main" val="0"/>
+              </a:ext>
+            </a:extLst>
+          </a:blip>
+          <a:stretch>
+            <a:fillRect/>
+          </a:stretch>
+        </p:blipFill>
+        <p:spPr>
+          <a:xfrm>
+            <a:off x="6300192" y="1151349"/>
+            <a:ext cx="2234076" cy="1522062"/>
+          </a:xfrm>
+          <a:prstGeom prst="rect">
+            <a:avLst/>
+          </a:prstGeom>
+          <a:ln>
+            <a:noFill/>
+          </a:ln>
+          <a:effectLst>
+            <a:outerShdw blurRad="292100" dist="139700" dir="2700000" algn="tl" rotWithShape="0">
+              <a:srgbClr val="333333">
+                <a:alpha val="65000"/>
+              </a:srgbClr>
+            </a:outerShdw>
+          </a:effectLst>
+        </p:spPr>
+      </p:pic>
       <p:sp>
         <p:nvSpPr>
-          <p:cNvPr id="24" name="向右箭號 23"/>
+          <p:cNvPr id="9" name="向右箭號 8"/>
           <p:cNvSpPr/>
           <p:nvPr/>
         </p:nvSpPr>
         <p:spPr>
           <a:xfrm>
-            <a:off x="2857629" y="2563627"/>
+            <a:off x="2587702" y="1654128"/>
             <a:ext cx="720080" cy="432048"/>
           </a:xfrm>
           <a:prstGeom prst="rightArrow">
@@ -7965,14 +8903,14 @@
       </p:sp>
       <p:sp>
         <p:nvSpPr>
-          <p:cNvPr id="25" name="文字方塊 24"/>
+          <p:cNvPr id="10" name="文字方塊 9"/>
           <p:cNvSpPr txBox="1"/>
           <p:nvPr/>
         </p:nvSpPr>
         <p:spPr>
           <a:xfrm>
-            <a:off x="3707904" y="1628800"/>
-            <a:ext cx="1260140" cy="369332"/>
+            <a:off x="3618357" y="938500"/>
+            <a:ext cx="1259780" cy="400110"/>
           </a:xfrm>
           <a:prstGeom prst="rect">
             <a:avLst/>
@@ -7991,7 +8929,7 @@
           <a:lstStyle/>
           <a:p>
             <a:r>
-              <a:rPr lang="zh-TW" altLang="en-US" dirty="0">
+              <a:rPr lang="zh-TW" altLang="en-US" sz="2000" dirty="0">
                 <a:ln>
                   <a:solidFill>
                     <a:schemeClr val="tx1"/>
@@ -8007,13 +8945,13 @@
       </p:sp>
       <p:sp>
         <p:nvSpPr>
-          <p:cNvPr id="26" name="向右箭號 25"/>
+          <p:cNvPr id="11" name="向右箭號 10"/>
           <p:cNvSpPr/>
           <p:nvPr/>
         </p:nvSpPr>
         <p:spPr>
           <a:xfrm>
-            <a:off x="5364088" y="2591457"/>
+            <a:off x="5292080" y="1681958"/>
             <a:ext cx="720080" cy="432048"/>
           </a:xfrm>
           <a:prstGeom prst="rightArrow">
@@ -8075,13 +9013,13 @@
       </p:sp>
       <p:sp>
         <p:nvSpPr>
-          <p:cNvPr id="27" name="文字方塊 26"/>
+          <p:cNvPr id="12" name="文字方塊 11"/>
           <p:cNvSpPr txBox="1"/>
           <p:nvPr/>
         </p:nvSpPr>
         <p:spPr>
           <a:xfrm>
-            <a:off x="6516215" y="1677596"/>
+            <a:off x="6804248" y="2812034"/>
             <a:ext cx="1656183" cy="369332"/>
           </a:xfrm>
           <a:prstGeom prst="rect">
@@ -8111,14 +9049,14 @@
       </p:sp>
       <p:sp>
         <p:nvSpPr>
-          <p:cNvPr id="28" name="向下箭號 27"/>
+          <p:cNvPr id="13" name="向下箭號 12"/>
           <p:cNvSpPr/>
           <p:nvPr/>
         </p:nvSpPr>
         <p:spPr>
           <a:xfrm>
-            <a:off x="4476050" y="3717032"/>
-            <a:ext cx="302915" cy="792088"/>
+            <a:off x="4206123" y="2951549"/>
+            <a:ext cx="302915" cy="576064"/>
           </a:xfrm>
           <a:prstGeom prst="downArrow">
             <a:avLst/>
@@ -8176,14 +9114,14 @@
       </p:sp>
       <p:sp>
         <p:nvSpPr>
-          <p:cNvPr id="29" name="向下箭號 28"/>
+          <p:cNvPr id="14" name="向下箭號 13"/>
           <p:cNvSpPr/>
           <p:nvPr/>
         </p:nvSpPr>
         <p:spPr>
           <a:xfrm rot="10800000">
-            <a:off x="3920289" y="3717032"/>
-            <a:ext cx="302915" cy="792088"/>
+            <a:off x="3638950" y="2870249"/>
+            <a:ext cx="302916" cy="585356"/>
           </a:xfrm>
           <a:prstGeom prst="downArrow">
             <a:avLst/>
@@ -8241,13 +9179,13 @@
       </p:sp>
       <p:sp>
         <p:nvSpPr>
-          <p:cNvPr id="30" name="文字方塊 29"/>
+          <p:cNvPr id="15" name="文字方塊 14"/>
           <p:cNvSpPr txBox="1"/>
           <p:nvPr/>
         </p:nvSpPr>
         <p:spPr>
           <a:xfrm>
-            <a:off x="2627784" y="3933056"/>
+            <a:off x="2299352" y="2943606"/>
             <a:ext cx="1309964" cy="369332"/>
           </a:xfrm>
           <a:prstGeom prst="rect">
@@ -8273,13 +9211,13 @@
       </p:sp>
       <p:sp>
         <p:nvSpPr>
-          <p:cNvPr id="31" name="文字方塊 30"/>
+          <p:cNvPr id="16" name="文字方塊 15"/>
           <p:cNvSpPr txBox="1"/>
           <p:nvPr/>
         </p:nvSpPr>
         <p:spPr>
           <a:xfrm>
-            <a:off x="5004048" y="3861048"/>
+            <a:off x="4716016" y="2924944"/>
             <a:ext cx="1983073" cy="369332"/>
           </a:xfrm>
           <a:prstGeom prst="rect">
@@ -8314,26 +9252,190 @@
           </a:p>
         </p:txBody>
       </p:sp>
+      <p:sp>
+        <p:nvSpPr>
+          <p:cNvPr id="17" name="文字方塊 16"/>
+          <p:cNvSpPr txBox="1"/>
+          <p:nvPr/>
+        </p:nvSpPr>
+        <p:spPr>
+          <a:xfrm>
+            <a:off x="1413983" y="3558750"/>
+            <a:ext cx="1818199" cy="1200329"/>
+          </a:xfrm>
+          <a:prstGeom prst="rect">
+            <a:avLst/>
+          </a:prstGeom>
+          <a:noFill/>
+          <a:ln w="19050">
+            <a:solidFill>
+              <a:srgbClr val="C00000"/>
+            </a:solidFill>
+          </a:ln>
+        </p:spPr>
+        <p:txBody>
+          <a:bodyPr wrap="square" rtlCol="0">
+            <a:spAutoFit/>
+          </a:bodyPr>
+          <a:lstStyle/>
+          <a:p>
+            <a:r>
+              <a:rPr lang="zh-TW" altLang="en-US" dirty="0" smtClean="0">
+                <a:ln>
+                  <a:solidFill>
+                    <a:schemeClr val="tx1"/>
+                  </a:solidFill>
+                </a:ln>
+                <a:latin typeface="微軟正黑體" panose="020B0604030504040204" pitchFamily="34" charset="-120"/>
+                <a:ea typeface="微軟正黑體" panose="020B0604030504040204" pitchFamily="34" charset="-120"/>
+              </a:rPr>
+              <a:t>儲存影像資料</a:t>
+            </a:r>
+            <a:endParaRPr lang="en-US" altLang="zh-TW" dirty="0" smtClean="0">
+              <a:ln>
+                <a:solidFill>
+                  <a:schemeClr val="tx1"/>
+                </a:solidFill>
+              </a:ln>
+              <a:latin typeface="微軟正黑體" panose="020B0604030504040204" pitchFamily="34" charset="-120"/>
+              <a:ea typeface="微軟正黑體" panose="020B0604030504040204" pitchFamily="34" charset="-120"/>
+            </a:endParaRPr>
+          </a:p>
+          <a:p>
+            <a:r>
+              <a:rPr lang="zh-TW" altLang="en-US" dirty="0" smtClean="0">
+                <a:ln>
+                  <a:solidFill>
+                    <a:schemeClr val="tx1"/>
+                  </a:solidFill>
+                </a:ln>
+                <a:latin typeface="微軟正黑體" panose="020B0604030504040204" pitchFamily="34" charset="-120"/>
+                <a:ea typeface="微軟正黑體" panose="020B0604030504040204" pitchFamily="34" charset="-120"/>
+              </a:rPr>
+              <a:t>警告傳送</a:t>
+            </a:r>
+            <a:endParaRPr lang="en-US" altLang="zh-TW" dirty="0">
+              <a:ln>
+                <a:solidFill>
+                  <a:schemeClr val="tx1"/>
+                </a:solidFill>
+              </a:ln>
+              <a:latin typeface="微軟正黑體" panose="020B0604030504040204" pitchFamily="34" charset="-120"/>
+              <a:ea typeface="微軟正黑體" panose="020B0604030504040204" pitchFamily="34" charset="-120"/>
+            </a:endParaRPr>
+          </a:p>
+          <a:p>
+            <a:r>
+              <a:rPr lang="zh-TW" altLang="en-US" dirty="0">
+                <a:ln>
+                  <a:solidFill>
+                    <a:schemeClr val="tx1"/>
+                  </a:solidFill>
+                </a:ln>
+                <a:latin typeface="微軟正黑體" panose="020B0604030504040204" pitchFamily="34" charset="-120"/>
+                <a:ea typeface="微軟正黑體" panose="020B0604030504040204" pitchFamily="34" charset="-120"/>
+              </a:rPr>
+              <a:t>訓練</a:t>
+            </a:r>
+            <a:r>
+              <a:rPr lang="zh-TW" altLang="en-US" dirty="0" smtClean="0">
+                <a:ln>
+                  <a:solidFill>
+                    <a:schemeClr val="tx1"/>
+                  </a:solidFill>
+                </a:ln>
+                <a:latin typeface="微軟正黑體" panose="020B0604030504040204" pitchFamily="34" charset="-120"/>
+                <a:ea typeface="微軟正黑體" panose="020B0604030504040204" pitchFamily="34" charset="-120"/>
+              </a:rPr>
+              <a:t>模組</a:t>
+            </a:r>
+            <a:endParaRPr lang="en-US" altLang="zh-TW" dirty="0">
+              <a:ln>
+                <a:solidFill>
+                  <a:schemeClr val="tx1"/>
+                </a:solidFill>
+              </a:ln>
+              <a:latin typeface="微軟正黑體" panose="020B0604030504040204" pitchFamily="34" charset="-120"/>
+              <a:ea typeface="微軟正黑體" panose="020B0604030504040204" pitchFamily="34" charset="-120"/>
+            </a:endParaRPr>
+          </a:p>
+          <a:p>
+            <a:r>
+              <a:rPr lang="zh-TW" altLang="en-US" dirty="0">
+                <a:ln>
+                  <a:solidFill>
+                    <a:schemeClr val="tx1"/>
+                  </a:solidFill>
+                </a:ln>
+                <a:latin typeface="微軟正黑體" panose="020B0604030504040204" pitchFamily="34" charset="-120"/>
+                <a:ea typeface="微軟正黑體" panose="020B0604030504040204" pitchFamily="34" charset="-120"/>
+              </a:rPr>
+              <a:t>進一步資料分析</a:t>
+            </a:r>
+          </a:p>
+        </p:txBody>
+      </p:sp>
+      <p:sp>
+        <p:nvSpPr>
+          <p:cNvPr id="18" name="文字方塊 17"/>
+          <p:cNvSpPr txBox="1"/>
+          <p:nvPr/>
+        </p:nvSpPr>
+        <p:spPr>
+          <a:xfrm>
+            <a:off x="3548489" y="2446407"/>
+            <a:ext cx="1473664" cy="400110"/>
+          </a:xfrm>
+          <a:prstGeom prst="rect">
+            <a:avLst/>
+          </a:prstGeom>
+          <a:noFill/>
+        </p:spPr>
+        <p:txBody>
+          <a:bodyPr wrap="square" rtlCol="0">
+            <a:spAutoFit/>
+          </a:bodyPr>
+          <a:lstStyle/>
+          <a:p>
+            <a:r>
+              <a:rPr lang="zh-TW" altLang="en-US" sz="2000" b="1" dirty="0" smtClean="0">
+                <a:latin typeface="微軟正黑體" panose="020B0604030504040204" pitchFamily="34" charset="-120"/>
+                <a:ea typeface="微軟正黑體" panose="020B0604030504040204" pitchFamily="34" charset="-120"/>
+              </a:rPr>
+              <a:t>邊緣電腦</a:t>
+            </a:r>
+            <a:endParaRPr lang="zh-TW" altLang="en-US" sz="2000" b="1" dirty="0">
+              <a:latin typeface="微軟正黑體" panose="020B0604030504040204" pitchFamily="34" charset="-120"/>
+              <a:ea typeface="微軟正黑體" panose="020B0604030504040204" pitchFamily="34" charset="-120"/>
+            </a:endParaRPr>
+          </a:p>
+        </p:txBody>
+      </p:sp>
       <p:pic>
         <p:nvPicPr>
-          <p:cNvPr id="32" name="Picture 3"/>
+          <p:cNvPr id="19" name="Picture 3"/>
           <p:cNvPicPr>
             <a:picLocks noChangeAspect="1" noChangeArrowheads="1"/>
           </p:cNvPicPr>
           <p:nvPr/>
         </p:nvPicPr>
         <p:blipFill>
-          <a:blip r:embed="rId5">
+          <a:blip r:embed="rId6">
             <a:extLst>
               <a:ext uri="{BEBA8EAE-BF5A-486C-A8C5-ECC9F3942E4B}">
                 <a14:imgProps xmlns:a14="http://schemas.microsoft.com/office/drawing/2010/main">
-                  <a14:imgLayer r:embed="rId6">
+                  <a14:imgLayer r:embed="rId7">
                     <a14:imgEffect>
-                      <a14:backgroundRemoval t="10000" b="90000" l="10000" r="90000">
-                        <a14:backgroundMark x1="22864" y1="22013" x2="24121" y2="7233"/>
-                        <a14:backgroundMark x1="31910" y1="22013" x2="20101" y2="23585"/>
-                        <a14:backgroundMark x1="25377" y1="22013" x2="9799" y2="23585"/>
-                        <a14:backgroundMark x1="17588" y1="28616" x2="3266" y2="31761"/>
+                      <a14:backgroundRemoval t="5479" b="89041" l="9195" r="89655">
+                        <a14:foregroundMark x1="56322" y1="30137" x2="56322" y2="30137"/>
+                        <a14:foregroundMark x1="56322" y1="30137" x2="71264" y2="23288"/>
+                        <a14:foregroundMark x1="56322" y1="30137" x2="17241" y2="47945"/>
+                        <a14:foregroundMark x1="33333" y1="38356" x2="28736" y2="42466"/>
+                        <a14:foregroundMark x1="71264" y1="42466" x2="29885" y2="67123"/>
+                        <a14:foregroundMark x1="12644" y1="60274" x2="17241" y2="71233"/>
+                        <a14:foregroundMark x1="17241" y1="78082" x2="19540" y2="76712"/>
+                        <a14:foregroundMark x1="16092" y1="79452" x2="19540" y2="73973"/>
+                        <a14:foregroundMark x1="71264" y1="15068" x2="67816" y2="5479"/>
                       </a14:backgroundRemoval>
                     </a14:imgEffect>
                   </a14:imgLayer>
@@ -8350,9 +9452,9 @@
           </a:stretch>
         </p:blipFill>
         <p:spPr bwMode="auto">
-          <a:xfrm>
-            <a:off x="4283968" y="2492896"/>
-            <a:ext cx="1080120" cy="863010"/>
+          <a:xfrm flipH="1">
+            <a:off x="0" y="839659"/>
+            <a:ext cx="742932" cy="623380"/>
           </a:xfrm>
           <a:prstGeom prst="rect">
             <a:avLst/>
@@ -8392,46 +9494,16 @@
           </a:extLst>
         </p:spPr>
       </p:pic>
-      <p:sp>
-        <p:nvSpPr>
-          <p:cNvPr id="33" name="文字方塊 32"/>
-          <p:cNvSpPr txBox="1"/>
-          <p:nvPr/>
-        </p:nvSpPr>
-        <p:spPr>
-          <a:xfrm>
-            <a:off x="3818417" y="5507940"/>
-            <a:ext cx="1833703" cy="369332"/>
-          </a:xfrm>
-          <a:prstGeom prst="rect">
-            <a:avLst/>
-          </a:prstGeom>
-          <a:noFill/>
-        </p:spPr>
-        <p:txBody>
-          <a:bodyPr wrap="square" rtlCol="0">
-            <a:spAutoFit/>
-          </a:bodyPr>
-          <a:lstStyle/>
-          <a:p>
-            <a:r>
-              <a:rPr lang="en-US" altLang="zh-TW" dirty="0" smtClean="0"/>
-              <a:t>Data Center</a:t>
-            </a:r>
-            <a:endParaRPr lang="zh-TW" altLang="en-US" dirty="0"/>
-          </a:p>
-        </p:txBody>
-      </p:sp>
       <p:pic>
         <p:nvPicPr>
-          <p:cNvPr id="34" name="Picture 7"/>
+          <p:cNvPr id="21" name="Picture 4" descr="C:\Users\24153\label\images\image001.jpg"/>
           <p:cNvPicPr>
             <a:picLocks noChangeAspect="1" noChangeArrowheads="1"/>
           </p:cNvPicPr>
           <p:nvPr/>
         </p:nvPicPr>
         <p:blipFill>
-          <a:blip r:embed="rId7">
+          <a:blip r:embed="rId8">
             <a:extLst>
               <a:ext uri="{28A0092B-C50C-407E-A947-70E740481C1C}">
                 <a14:useLocalDpi xmlns:a14="http://schemas.microsoft.com/office/drawing/2010/main" val="0"/>
@@ -8445,596 +9517,24 @@
         </p:blipFill>
         <p:spPr bwMode="auto">
           <a:xfrm>
-            <a:off x="3937748" y="4552389"/>
-            <a:ext cx="894245" cy="964843"/>
+            <a:off x="467544" y="1451715"/>
+            <a:ext cx="1944216" cy="1324581"/>
           </a:xfrm>
           <a:prstGeom prst="rect">
             <a:avLst/>
           </a:prstGeom>
           <a:noFill/>
-          <a:ln>
-            <a:noFill/>
-          </a:ln>
-          <a:effectLst/>
           <a:extLst>
             <a:ext uri="{909E8E84-426E-40DD-AFC4-6F175D3DCCD1}">
               <a14:hiddenFill xmlns:a14="http://schemas.microsoft.com/office/drawing/2010/main">
                 <a:solidFill>
-                  <a:schemeClr val="accent1"/>
+                  <a:srgbClr val="FFFFFF"/>
                 </a:solidFill>
               </a14:hiddenFill>
-            </a:ext>
-            <a:ext uri="{91240B29-F687-4F45-9708-019B960494DF}">
-              <a14:hiddenLine xmlns:a14="http://schemas.microsoft.com/office/drawing/2010/main" w="9525">
-                <a:solidFill>
-                  <a:schemeClr val="tx1"/>
-                </a:solidFill>
-                <a:miter lim="800000"/>
-                <a:headEnd/>
-                <a:tailEnd/>
-              </a14:hiddenLine>
-            </a:ext>
-            <a:ext uri="{AF507438-7753-43E0-B8FC-AC1667EBCBE1}">
-              <a14:hiddenEffects xmlns:a14="http://schemas.microsoft.com/office/drawing/2010/main">
-                <a:effectLst>
-                  <a:outerShdw dist="35921" dir="2700000" algn="ctr" rotWithShape="0">
-                    <a:schemeClr val="bg2"/>
-                  </a:outerShdw>
-                </a:effectLst>
-              </a14:hiddenEffects>
             </a:ext>
           </a:extLst>
         </p:spPr>
       </p:pic>
-      <p:sp>
-        <p:nvSpPr>
-          <p:cNvPr id="35" name="文字方塊 34"/>
-          <p:cNvSpPr txBox="1"/>
-          <p:nvPr/>
-        </p:nvSpPr>
-        <p:spPr>
-          <a:xfrm>
-            <a:off x="5220072" y="4365104"/>
-            <a:ext cx="2052228" cy="1477328"/>
-          </a:xfrm>
-          <a:prstGeom prst="rect">
-            <a:avLst/>
-          </a:prstGeom>
-          <a:noFill/>
-          <a:ln w="19050">
-            <a:solidFill>
-              <a:srgbClr val="C00000"/>
-            </a:solidFill>
-          </a:ln>
-        </p:spPr>
-        <p:txBody>
-          <a:bodyPr wrap="square" rtlCol="0">
-            <a:spAutoFit/>
-          </a:bodyPr>
-          <a:lstStyle/>
-          <a:p>
-            <a:r>
-              <a:rPr lang="zh-TW" altLang="en-US" dirty="0" smtClean="0">
-                <a:ln>
-                  <a:solidFill>
-                    <a:schemeClr val="tx1"/>
-                  </a:solidFill>
-                </a:ln>
-                <a:latin typeface="微軟正黑體" panose="020B0604030504040204" pitchFamily="34" charset="-120"/>
-                <a:ea typeface="微軟正黑體" panose="020B0604030504040204" pitchFamily="34" charset="-120"/>
-              </a:rPr>
-              <a:t>儲存影像資料</a:t>
-            </a:r>
-            <a:endParaRPr lang="en-US" altLang="zh-TW" dirty="0" smtClean="0">
-              <a:ln>
-                <a:solidFill>
-                  <a:schemeClr val="tx1"/>
-                </a:solidFill>
-              </a:ln>
-              <a:latin typeface="微軟正黑體" panose="020B0604030504040204" pitchFamily="34" charset="-120"/>
-              <a:ea typeface="微軟正黑體" panose="020B0604030504040204" pitchFamily="34" charset="-120"/>
-            </a:endParaRPr>
-          </a:p>
-          <a:p>
-            <a:r>
-              <a:rPr lang="zh-TW" altLang="en-US" dirty="0" smtClean="0">
-                <a:ln>
-                  <a:solidFill>
-                    <a:schemeClr val="tx1"/>
-                  </a:solidFill>
-                </a:ln>
-                <a:latin typeface="微軟正黑體" panose="020B0604030504040204" pitchFamily="34" charset="-120"/>
-                <a:ea typeface="微軟正黑體" panose="020B0604030504040204" pitchFamily="34" charset="-120"/>
-              </a:rPr>
-              <a:t>警告傳送</a:t>
-            </a:r>
-            <a:endParaRPr lang="en-US" altLang="zh-TW" dirty="0">
-              <a:ln>
-                <a:solidFill>
-                  <a:schemeClr val="tx1"/>
-                </a:solidFill>
-              </a:ln>
-              <a:latin typeface="微軟正黑體" panose="020B0604030504040204" pitchFamily="34" charset="-120"/>
-              <a:ea typeface="微軟正黑體" panose="020B0604030504040204" pitchFamily="34" charset="-120"/>
-            </a:endParaRPr>
-          </a:p>
-          <a:p>
-            <a:r>
-              <a:rPr lang="zh-TW" altLang="en-US" dirty="0">
-                <a:ln>
-                  <a:solidFill>
-                    <a:schemeClr val="tx1"/>
-                  </a:solidFill>
-                </a:ln>
-                <a:latin typeface="微軟正黑體" panose="020B0604030504040204" pitchFamily="34" charset="-120"/>
-                <a:ea typeface="微軟正黑體" panose="020B0604030504040204" pitchFamily="34" charset="-120"/>
-              </a:rPr>
-              <a:t>訓練模組</a:t>
-            </a:r>
-            <a:endParaRPr lang="en-US" altLang="zh-TW" dirty="0">
-              <a:ln>
-                <a:solidFill>
-                  <a:schemeClr val="tx1"/>
-                </a:solidFill>
-              </a:ln>
-              <a:latin typeface="微軟正黑體" panose="020B0604030504040204" pitchFamily="34" charset="-120"/>
-              <a:ea typeface="微軟正黑體" panose="020B0604030504040204" pitchFamily="34" charset="-120"/>
-            </a:endParaRPr>
-          </a:p>
-          <a:p>
-            <a:r>
-              <a:rPr lang="zh-TW" altLang="en-US" dirty="0">
-                <a:ln>
-                  <a:solidFill>
-                    <a:schemeClr val="tx1"/>
-                  </a:solidFill>
-                </a:ln>
-                <a:latin typeface="微軟正黑體" panose="020B0604030504040204" pitchFamily="34" charset="-120"/>
-                <a:ea typeface="微軟正黑體" panose="020B0604030504040204" pitchFamily="34" charset="-120"/>
-              </a:rPr>
-              <a:t>提供各式模組</a:t>
-            </a:r>
-            <a:endParaRPr lang="en-US" altLang="zh-TW" dirty="0">
-              <a:ln>
-                <a:solidFill>
-                  <a:schemeClr val="tx1"/>
-                </a:solidFill>
-              </a:ln>
-              <a:latin typeface="微軟正黑體" panose="020B0604030504040204" pitchFamily="34" charset="-120"/>
-              <a:ea typeface="微軟正黑體" panose="020B0604030504040204" pitchFamily="34" charset="-120"/>
-            </a:endParaRPr>
-          </a:p>
-          <a:p>
-            <a:r>
-              <a:rPr lang="zh-TW" altLang="en-US" dirty="0">
-                <a:ln>
-                  <a:solidFill>
-                    <a:schemeClr val="tx1"/>
-                  </a:solidFill>
-                </a:ln>
-                <a:latin typeface="微軟正黑體" panose="020B0604030504040204" pitchFamily="34" charset="-120"/>
-                <a:ea typeface="微軟正黑體" panose="020B0604030504040204" pitchFamily="34" charset="-120"/>
-              </a:rPr>
-              <a:t>進一步資料分析</a:t>
-            </a:r>
-          </a:p>
-        </p:txBody>
-      </p:sp>
-      <p:sp>
-        <p:nvSpPr>
-          <p:cNvPr id="37" name="矩形 36"/>
-          <p:cNvSpPr/>
-          <p:nvPr/>
-        </p:nvSpPr>
-        <p:spPr>
-          <a:xfrm>
-            <a:off x="323529" y="138698"/>
-            <a:ext cx="3528391" cy="553998"/>
-          </a:xfrm>
-          <a:prstGeom prst="rect">
-            <a:avLst/>
-          </a:prstGeom>
-        </p:spPr>
-        <p:txBody>
-          <a:bodyPr wrap="square">
-            <a:spAutoFit/>
-          </a:bodyPr>
-          <a:lstStyle/>
-          <a:p>
-            <a:r>
-              <a:rPr lang="zh-TW" altLang="en-US" sz="3000" b="1" dirty="0" smtClean="0">
-                <a:latin typeface="微軟正黑體" panose="020B0604030504040204" pitchFamily="34" charset="-120"/>
-                <a:ea typeface="微軟正黑體" panose="020B0604030504040204" pitchFamily="34" charset="-120"/>
-              </a:rPr>
-              <a:t>工作職位</a:t>
-            </a:r>
-            <a:endParaRPr lang="zh-TW" altLang="en-US" sz="3000" b="1" dirty="0">
-              <a:latin typeface="微軟正黑體" panose="020B0604030504040204" pitchFamily="34" charset="-120"/>
-              <a:ea typeface="微軟正黑體" panose="020B0604030504040204" pitchFamily="34" charset="-120"/>
-            </a:endParaRPr>
-          </a:p>
-        </p:txBody>
-      </p:sp>
-    </p:spTree>
-    <p:extLst>
-      <p:ext uri="{BB962C8B-B14F-4D97-AF65-F5344CB8AC3E}">
-        <p14:creationId xmlns:p14="http://schemas.microsoft.com/office/powerpoint/2010/main" val="4191666366"/>
-      </p:ext>
-    </p:extLst>
-  </p:cSld>
-  <p:clrMapOvr>
-    <a:masterClrMapping/>
-  </p:clrMapOvr>
-  <p:timing>
-    <p:tnLst>
-      <p:par>
-        <p:cTn id="1" dur="indefinite" restart="never" nodeType="tmRoot"/>
-      </p:par>
-    </p:tnLst>
-  </p:timing>
-</p:sld>
-</file>
-
-<file path=ppt/slides/slide4.xml><?xml version="1.0" encoding="utf-8"?>
-<p:sld xmlns:a="http://schemas.openxmlformats.org/drawingml/2006/main" xmlns:r="http://schemas.openxmlformats.org/officeDocument/2006/relationships" xmlns:p="http://schemas.openxmlformats.org/presentationml/2006/main">
-  <p:cSld>
-    <p:spTree>
-      <p:nvGrpSpPr>
-        <p:cNvPr id="1" name=""/>
-        <p:cNvGrpSpPr/>
-        <p:nvPr/>
-      </p:nvGrpSpPr>
-      <p:grpSpPr>
-        <a:xfrm>
-          <a:off x="0" y="0"/>
-          <a:ext cx="0" cy="0"/>
-          <a:chOff x="0" y="0"/>
-          <a:chExt cx="0" cy="0"/>
-        </a:xfrm>
-      </p:grpSpPr>
-      <p:sp>
-        <p:nvSpPr>
-          <p:cNvPr id="2" name="投影片編號版面配置區 1"/>
-          <p:cNvSpPr>
-            <a:spLocks noGrp="1"/>
-          </p:cNvSpPr>
-          <p:nvPr>
-            <p:ph type="sldNum" sz="quarter" idx="10"/>
-          </p:nvPr>
-        </p:nvSpPr>
-        <p:spPr/>
-        <p:txBody>
-          <a:bodyPr/>
-          <a:lstStyle/>
-          <a:p>
-            <a:pPr>
-              <a:defRPr/>
-            </a:pPr>
-            <a:fld id="{70E5D7CE-1223-4BF6-8CB5-04CD8FC2427E}" type="slidenum">
-              <a:rPr lang="en-US" altLang="zh-TW" smtClean="0"/>
-              <a:pPr>
-                <a:defRPr/>
-              </a:pPr>
-              <a:t>4</a:t>
-            </a:fld>
-            <a:endParaRPr lang="en-US" altLang="zh-TW"/>
-          </a:p>
-        </p:txBody>
-      </p:sp>
-      <p:sp>
-        <p:nvSpPr>
-          <p:cNvPr id="20" name="矩形 19"/>
-          <p:cNvSpPr/>
-          <p:nvPr/>
-        </p:nvSpPr>
-        <p:spPr>
-          <a:xfrm>
-            <a:off x="323529" y="138698"/>
-            <a:ext cx="3528391" cy="553998"/>
-          </a:xfrm>
-          <a:prstGeom prst="rect">
-            <a:avLst/>
-          </a:prstGeom>
-        </p:spPr>
-        <p:txBody>
-          <a:bodyPr wrap="square">
-            <a:spAutoFit/>
-          </a:bodyPr>
-          <a:lstStyle/>
-          <a:p>
-            <a:r>
-              <a:rPr lang="zh-TW" altLang="en-US" sz="3000" b="1" dirty="0" smtClean="0">
-                <a:latin typeface="微軟正黑體" panose="020B0604030504040204" pitchFamily="34" charset="-120"/>
-                <a:ea typeface="微軟正黑體" panose="020B0604030504040204" pitchFamily="34" charset="-120"/>
-              </a:rPr>
-              <a:t>工作主要在做甚麼</a:t>
-            </a:r>
-            <a:r>
-              <a:rPr lang="en-US" altLang="zh-TW" sz="3000" b="1" dirty="0" smtClean="0">
-                <a:latin typeface="微軟正黑體" panose="020B0604030504040204" pitchFamily="34" charset="-120"/>
-                <a:ea typeface="微軟正黑體" panose="020B0604030504040204" pitchFamily="34" charset="-120"/>
-              </a:rPr>
-              <a:t>?</a:t>
-            </a:r>
-            <a:endParaRPr lang="zh-TW" altLang="en-US" sz="3000" b="1" dirty="0">
-              <a:latin typeface="微軟正黑體" panose="020B0604030504040204" pitchFamily="34" charset="-120"/>
-              <a:ea typeface="微軟正黑體" panose="020B0604030504040204" pitchFamily="34" charset="-120"/>
-            </a:endParaRPr>
-          </a:p>
-        </p:txBody>
-      </p:sp>
-      <p:sp>
-        <p:nvSpPr>
-          <p:cNvPr id="22" name="文字方塊 21"/>
-          <p:cNvSpPr txBox="1"/>
-          <p:nvPr/>
-        </p:nvSpPr>
-        <p:spPr>
-          <a:xfrm>
-            <a:off x="316681" y="980728"/>
-            <a:ext cx="8503789" cy="707886"/>
-          </a:xfrm>
-          <a:prstGeom prst="rect">
-            <a:avLst/>
-          </a:prstGeom>
-          <a:noFill/>
-        </p:spPr>
-        <p:txBody>
-          <a:bodyPr wrap="square" rtlCol="0">
-            <a:spAutoFit/>
-          </a:bodyPr>
-          <a:lstStyle/>
-          <a:p>
-            <a:r>
-              <a:rPr lang="en-US" altLang="zh-TW" dirty="0">
-                <a:latin typeface="微軟正黑體" panose="020B0604030504040204" pitchFamily="34" charset="-120"/>
-                <a:ea typeface="微軟正黑體" panose="020B0604030504040204" pitchFamily="34" charset="-120"/>
-              </a:rPr>
-              <a:t>	</a:t>
-            </a:r>
-            <a:r>
-              <a:rPr lang="zh-TW" altLang="en-US" sz="2000" dirty="0" smtClean="0">
-                <a:latin typeface="微軟正黑體" panose="020B0604030504040204" pitchFamily="34" charset="-120"/>
-                <a:ea typeface="微軟正黑體" panose="020B0604030504040204" pitchFamily="34" charset="-120"/>
-              </a:rPr>
-              <a:t>其實就</a:t>
-            </a:r>
-            <a:r>
-              <a:rPr lang="zh-TW" altLang="en-US" sz="2000" dirty="0">
-                <a:latin typeface="微軟正黑體" panose="020B0604030504040204" pitchFamily="34" charset="-120"/>
-                <a:ea typeface="微軟正黑體" panose="020B0604030504040204" pitchFamily="34" charset="-120"/>
-              </a:rPr>
-              <a:t>如同</a:t>
-            </a:r>
-            <a:r>
-              <a:rPr lang="zh-TW" altLang="en-US" sz="2000" dirty="0" smtClean="0">
-                <a:latin typeface="微軟正黑體" panose="020B0604030504040204" pitchFamily="34" charset="-120"/>
-                <a:ea typeface="微軟正黑體" panose="020B0604030504040204" pitchFamily="34" charset="-120"/>
-              </a:rPr>
-              <a:t>畢業專題一樣，剛進去會與主管交換想法意見交流等等，然後討論出方向後，就開始執行</a:t>
-            </a:r>
-            <a:r>
-              <a:rPr lang="zh-TW" altLang="en-US" sz="2000" dirty="0">
-                <a:latin typeface="微軟正黑體" panose="020B0604030504040204" pitchFamily="34" charset="-120"/>
-                <a:ea typeface="微軟正黑體" panose="020B0604030504040204" pitchFamily="34" charset="-120"/>
-              </a:rPr>
-              <a:t>，然後</a:t>
-            </a:r>
-            <a:r>
-              <a:rPr lang="zh-TW" altLang="en-US" sz="2000" dirty="0" smtClean="0">
-                <a:latin typeface="微軟正黑體" panose="020B0604030504040204" pitchFamily="34" charset="-120"/>
-                <a:ea typeface="微軟正黑體" panose="020B0604030504040204" pitchFamily="34" charset="-120"/>
-              </a:rPr>
-              <a:t>部屬，接著上線。</a:t>
-            </a:r>
-            <a:endParaRPr lang="zh-TW" altLang="en-US" sz="2000" dirty="0">
-              <a:latin typeface="微軟正黑體" panose="020B0604030504040204" pitchFamily="34" charset="-120"/>
-              <a:ea typeface="微軟正黑體" panose="020B0604030504040204" pitchFamily="34" charset="-120"/>
-            </a:endParaRPr>
-          </a:p>
-        </p:txBody>
-      </p:sp>
-      <p:sp>
-        <p:nvSpPr>
-          <p:cNvPr id="24" name="文字方塊 23"/>
-          <p:cNvSpPr txBox="1"/>
-          <p:nvPr/>
-        </p:nvSpPr>
-        <p:spPr>
-          <a:xfrm>
-            <a:off x="2483768" y="2368897"/>
-            <a:ext cx="3240360" cy="1631216"/>
-          </a:xfrm>
-          <a:prstGeom prst="rect">
-            <a:avLst/>
-          </a:prstGeom>
-          <a:noFill/>
-          <a:ln>
-            <a:solidFill>
-              <a:srgbClr val="C00000"/>
-            </a:solidFill>
-          </a:ln>
-        </p:spPr>
-        <p:txBody>
-          <a:bodyPr wrap="square" rtlCol="0">
-            <a:spAutoFit/>
-          </a:bodyPr>
-          <a:lstStyle/>
-          <a:p>
-            <a:r>
-              <a:rPr lang="zh-TW" altLang="en-US" sz="2000" dirty="0" smtClean="0">
-                <a:latin typeface="微軟正黑體" panose="020B0604030504040204" pitchFamily="34" charset="-120"/>
-                <a:ea typeface="微軟正黑體" panose="020B0604030504040204" pitchFamily="34" charset="-120"/>
-              </a:rPr>
-              <a:t>內容</a:t>
-            </a:r>
-            <a:r>
-              <a:rPr lang="en-US" altLang="zh-TW" sz="2000" dirty="0" smtClean="0">
-                <a:latin typeface="微軟正黑體" panose="020B0604030504040204" pitchFamily="34" charset="-120"/>
-                <a:ea typeface="微軟正黑體" panose="020B0604030504040204" pitchFamily="34" charset="-120"/>
-              </a:rPr>
-              <a:t>:</a:t>
-            </a:r>
-          </a:p>
-          <a:p>
-            <a:r>
-              <a:rPr lang="en-US" altLang="zh-TW" sz="2000" dirty="0">
-                <a:latin typeface="微軟正黑體" panose="020B0604030504040204" pitchFamily="34" charset="-120"/>
-                <a:ea typeface="微軟正黑體" panose="020B0604030504040204" pitchFamily="34" charset="-120"/>
-              </a:rPr>
-              <a:t>	</a:t>
-            </a:r>
-            <a:r>
-              <a:rPr lang="zh-TW" altLang="en-US" sz="2000" dirty="0" smtClean="0">
-                <a:latin typeface="微軟正黑體" panose="020B0604030504040204" pitchFamily="34" charset="-120"/>
-                <a:ea typeface="微軟正黑體" panose="020B0604030504040204" pitchFamily="34" charset="-120"/>
-              </a:rPr>
-              <a:t> </a:t>
-            </a:r>
-            <a:r>
-              <a:rPr lang="en-US" altLang="zh-TW" sz="2000" dirty="0" smtClean="0">
-                <a:latin typeface="微軟正黑體" panose="020B0604030504040204" pitchFamily="34" charset="-120"/>
-                <a:ea typeface="微軟正黑體" panose="020B0604030504040204" pitchFamily="34" charset="-120"/>
-              </a:rPr>
-              <a:t>1.</a:t>
-            </a:r>
-            <a:r>
-              <a:rPr lang="zh-TW" altLang="en-US" sz="2000" dirty="0" smtClean="0">
-                <a:latin typeface="微軟正黑體" panose="020B0604030504040204" pitchFamily="34" charset="-120"/>
-                <a:ea typeface="微軟正黑體" panose="020B0604030504040204" pitchFamily="34" charset="-120"/>
-              </a:rPr>
-              <a:t>每週進度報告</a:t>
-            </a:r>
-            <a:endParaRPr lang="en-US" altLang="zh-TW" sz="2000" dirty="0" smtClean="0">
-              <a:latin typeface="微軟正黑體" panose="020B0604030504040204" pitchFamily="34" charset="-120"/>
-              <a:ea typeface="微軟正黑體" panose="020B0604030504040204" pitchFamily="34" charset="-120"/>
-            </a:endParaRPr>
-          </a:p>
-          <a:p>
-            <a:r>
-              <a:rPr lang="en-US" altLang="zh-TW" sz="2000" dirty="0">
-                <a:latin typeface="微軟正黑體" panose="020B0604030504040204" pitchFamily="34" charset="-120"/>
-                <a:ea typeface="微軟正黑體" panose="020B0604030504040204" pitchFamily="34" charset="-120"/>
-              </a:rPr>
-              <a:t>	</a:t>
-            </a:r>
-            <a:r>
-              <a:rPr lang="zh-TW" altLang="en-US" sz="2000" dirty="0" smtClean="0">
-                <a:latin typeface="微軟正黑體" panose="020B0604030504040204" pitchFamily="34" charset="-120"/>
-                <a:ea typeface="微軟正黑體" panose="020B0604030504040204" pitchFamily="34" charset="-120"/>
-              </a:rPr>
-              <a:t> </a:t>
-            </a:r>
-            <a:r>
-              <a:rPr lang="en-US" altLang="zh-TW" sz="2000" dirty="0">
-                <a:latin typeface="微軟正黑體" panose="020B0604030504040204" pitchFamily="34" charset="-120"/>
-                <a:ea typeface="微軟正黑體" panose="020B0604030504040204" pitchFamily="34" charset="-120"/>
-              </a:rPr>
-              <a:t>2.</a:t>
-            </a:r>
-            <a:r>
-              <a:rPr lang="zh-TW" altLang="en-US" sz="2000" dirty="0">
-                <a:latin typeface="微軟正黑體" panose="020B0604030504040204" pitchFamily="34" charset="-120"/>
-                <a:ea typeface="微軟正黑體" panose="020B0604030504040204" pitchFamily="34" charset="-120"/>
-              </a:rPr>
-              <a:t>硬體</a:t>
-            </a:r>
-            <a:r>
-              <a:rPr lang="zh-TW" altLang="en-US" sz="2000" dirty="0" smtClean="0">
-                <a:latin typeface="微軟正黑體" panose="020B0604030504040204" pitchFamily="34" charset="-120"/>
-                <a:ea typeface="微軟正黑體" panose="020B0604030504040204" pitchFamily="34" charset="-120"/>
-              </a:rPr>
-              <a:t>環境</a:t>
-            </a:r>
-            <a:r>
-              <a:rPr lang="zh-TW" altLang="en-US" sz="2000" dirty="0">
-                <a:latin typeface="微軟正黑體" panose="020B0604030504040204" pitchFamily="34" charset="-120"/>
-                <a:ea typeface="微軟正黑體" panose="020B0604030504040204" pitchFamily="34" charset="-120"/>
-              </a:rPr>
-              <a:t>架設</a:t>
-            </a:r>
-            <a:endParaRPr lang="en-US" altLang="zh-TW" sz="2000" dirty="0">
-              <a:latin typeface="微軟正黑體" panose="020B0604030504040204" pitchFamily="34" charset="-120"/>
-              <a:ea typeface="微軟正黑體" panose="020B0604030504040204" pitchFamily="34" charset="-120"/>
-            </a:endParaRPr>
-          </a:p>
-          <a:p>
-            <a:r>
-              <a:rPr lang="en-US" altLang="zh-TW" sz="2000" dirty="0" smtClean="0">
-                <a:latin typeface="微軟正黑體" panose="020B0604030504040204" pitchFamily="34" charset="-120"/>
-                <a:ea typeface="微軟正黑體" panose="020B0604030504040204" pitchFamily="34" charset="-120"/>
-              </a:rPr>
-              <a:t>	</a:t>
-            </a:r>
-            <a:r>
-              <a:rPr lang="zh-TW" altLang="en-US" sz="2000" dirty="0" smtClean="0">
-                <a:latin typeface="微軟正黑體" panose="020B0604030504040204" pitchFamily="34" charset="-120"/>
-                <a:ea typeface="微軟正黑體" panose="020B0604030504040204" pitchFamily="34" charset="-120"/>
-              </a:rPr>
-              <a:t> </a:t>
-            </a:r>
-            <a:r>
-              <a:rPr lang="en-US" altLang="zh-TW" sz="2000" dirty="0" smtClean="0">
-                <a:latin typeface="微軟正黑體" panose="020B0604030504040204" pitchFamily="34" charset="-120"/>
-                <a:ea typeface="微軟正黑體" panose="020B0604030504040204" pitchFamily="34" charset="-120"/>
-              </a:rPr>
-              <a:t>3.</a:t>
-            </a:r>
-            <a:r>
-              <a:rPr lang="zh-TW" altLang="en-US" sz="2000" dirty="0" smtClean="0">
-                <a:latin typeface="微軟正黑體" panose="020B0604030504040204" pitchFamily="34" charset="-120"/>
-                <a:ea typeface="微軟正黑體" panose="020B0604030504040204" pitchFamily="34" charset="-120"/>
-              </a:rPr>
-              <a:t>程式撰寫，模型優化</a:t>
-            </a:r>
-            <a:endParaRPr lang="en-US" altLang="zh-TW" sz="2000" dirty="0" smtClean="0">
-              <a:latin typeface="微軟正黑體" panose="020B0604030504040204" pitchFamily="34" charset="-120"/>
-              <a:ea typeface="微軟正黑體" panose="020B0604030504040204" pitchFamily="34" charset="-120"/>
-            </a:endParaRPr>
-          </a:p>
-          <a:p>
-            <a:r>
-              <a:rPr lang="en-US" altLang="zh-TW" sz="2000" dirty="0">
-                <a:latin typeface="微軟正黑體" panose="020B0604030504040204" pitchFamily="34" charset="-120"/>
-                <a:ea typeface="微軟正黑體" panose="020B0604030504040204" pitchFamily="34" charset="-120"/>
-              </a:rPr>
-              <a:t>	</a:t>
-            </a:r>
-            <a:r>
-              <a:rPr lang="zh-TW" altLang="en-US" sz="2000" dirty="0" smtClean="0">
-                <a:latin typeface="微軟正黑體" panose="020B0604030504040204" pitchFamily="34" charset="-120"/>
-                <a:ea typeface="微軟正黑體" panose="020B0604030504040204" pitchFamily="34" charset="-120"/>
-              </a:rPr>
-              <a:t> </a:t>
-            </a:r>
-            <a:r>
-              <a:rPr lang="en-US" altLang="zh-TW" sz="2000" dirty="0" smtClean="0">
-                <a:latin typeface="微軟正黑體" panose="020B0604030504040204" pitchFamily="34" charset="-120"/>
-                <a:ea typeface="微軟正黑體" panose="020B0604030504040204" pitchFamily="34" charset="-120"/>
-              </a:rPr>
-              <a:t>4.</a:t>
-            </a:r>
-            <a:r>
-              <a:rPr lang="zh-TW" altLang="en-US" sz="2000" dirty="0">
-                <a:latin typeface="微軟正黑體" panose="020B0604030504040204" pitchFamily="34" charset="-120"/>
-                <a:ea typeface="微軟正黑體" panose="020B0604030504040204" pitchFamily="34" charset="-120"/>
-              </a:rPr>
-              <a:t>參與外部</a:t>
-            </a:r>
-            <a:r>
-              <a:rPr lang="zh-TW" altLang="en-US" sz="2000" dirty="0" smtClean="0">
-                <a:latin typeface="微軟正黑體" panose="020B0604030504040204" pitchFamily="34" charset="-120"/>
-                <a:ea typeface="微軟正黑體" panose="020B0604030504040204" pitchFamily="34" charset="-120"/>
-              </a:rPr>
-              <a:t>會議</a:t>
-            </a:r>
-            <a:endParaRPr lang="en-US" altLang="zh-TW" sz="2000" dirty="0">
-              <a:latin typeface="微軟正黑體" panose="020B0604030504040204" pitchFamily="34" charset="-120"/>
-              <a:ea typeface="微軟正黑體" panose="020B0604030504040204" pitchFamily="34" charset="-120"/>
-            </a:endParaRPr>
-          </a:p>
-        </p:txBody>
-      </p:sp>
     </p:spTree>
     <p:extLst>
       <p:ext uri="{BB962C8B-B14F-4D97-AF65-F5344CB8AC3E}">
@@ -9127,28 +9627,7 @@
                 <a:latin typeface="微軟正黑體" panose="020B0604030504040204" pitchFamily="34" charset="-120"/>
                 <a:ea typeface="微軟正黑體" panose="020B0604030504040204" pitchFamily="34" charset="-120"/>
               </a:rPr>
-              <a:t>其他</a:t>
-            </a:r>
-            <a:r>
-              <a:rPr lang="en-US" altLang="zh-TW" sz="3000" b="1" dirty="0" smtClean="0">
-                <a:latin typeface="微軟正黑體" panose="020B0604030504040204" pitchFamily="34" charset="-120"/>
-                <a:ea typeface="微軟正黑體" panose="020B0604030504040204" pitchFamily="34" charset="-120"/>
-              </a:rPr>
-              <a:t>(</a:t>
-            </a:r>
-            <a:r>
-              <a:rPr lang="zh-TW" altLang="en-US" sz="3000" b="1" dirty="0" smtClean="0">
-                <a:latin typeface="微軟正黑體" panose="020B0604030504040204" pitchFamily="34" charset="-120"/>
-                <a:ea typeface="微軟正黑體" panose="020B0604030504040204" pitchFamily="34" charset="-120"/>
-              </a:rPr>
-              <a:t>基本福利，供餐等等</a:t>
-            </a:r>
-            <a:r>
-              <a:rPr lang="en-US" altLang="zh-TW" sz="3000" b="1" dirty="0" smtClean="0">
-                <a:latin typeface="微軟正黑體" panose="020B0604030504040204" pitchFamily="34" charset="-120"/>
-                <a:ea typeface="微軟正黑體" panose="020B0604030504040204" pitchFamily="34" charset="-120"/>
-              </a:rPr>
-              <a:t>)</a:t>
+              <a:t>實習環境及福利</a:t>
             </a:r>
             <a:endParaRPr lang="zh-TW" altLang="en-US" sz="3000" b="1" dirty="0">
               <a:latin typeface="微軟正黑體" panose="020B0604030504040204" pitchFamily="34" charset="-120"/>
@@ -9165,7 +9644,185 @@
         </p:nvSpPr>
         <p:spPr>
           <a:xfrm>
-            <a:off x="583059" y="1206570"/>
+            <a:off x="583059" y="2348880"/>
+            <a:ext cx="8360320" cy="923330"/>
+          </a:xfrm>
+          <a:prstGeom prst="rect">
+            <a:avLst/>
+          </a:prstGeom>
+          <a:noFill/>
+        </p:spPr>
+        <p:txBody>
+          <a:bodyPr wrap="square" rtlCol="0">
+            <a:spAutoFit/>
+          </a:bodyPr>
+          <a:lstStyle/>
+          <a:p>
+            <a:r>
+              <a:rPr lang="zh-TW" altLang="en-US" dirty="0" smtClean="0">
+                <a:latin typeface="微軟正黑體" panose="020B0604030504040204" pitchFamily="34" charset="-120"/>
+                <a:ea typeface="微軟正黑體" panose="020B0604030504040204" pitchFamily="34" charset="-120"/>
+              </a:rPr>
+              <a:t>員工福利</a:t>
+            </a:r>
+            <a:r>
+              <a:rPr lang="en-US" altLang="zh-TW" dirty="0" smtClean="0">
+                <a:latin typeface="微軟正黑體" panose="020B0604030504040204" pitchFamily="34" charset="-120"/>
+                <a:ea typeface="微軟正黑體" panose="020B0604030504040204" pitchFamily="34" charset="-120"/>
+              </a:rPr>
+              <a:t>:</a:t>
+            </a:r>
+            <a:endParaRPr lang="en-US" altLang="zh-TW" dirty="0" smtClean="0">
+              <a:latin typeface="微軟正黑體" panose="020B0604030504040204" pitchFamily="34" charset="-120"/>
+              <a:ea typeface="微軟正黑體" panose="020B0604030504040204" pitchFamily="34" charset="-120"/>
+            </a:endParaRPr>
+          </a:p>
+          <a:p>
+            <a:r>
+              <a:rPr lang="zh-TW" altLang="en-US" dirty="0" smtClean="0">
+                <a:latin typeface="微軟正黑體" panose="020B0604030504040204" pitchFamily="34" charset="-120"/>
+                <a:ea typeface="微軟正黑體" panose="020B0604030504040204" pitchFamily="34" charset="-120"/>
+              </a:rPr>
+              <a:t>由</a:t>
+            </a:r>
+            <a:r>
+              <a:rPr lang="zh-TW" altLang="en-US" dirty="0">
+                <a:latin typeface="微軟正黑體" panose="020B0604030504040204" pitchFamily="34" charset="-120"/>
+                <a:ea typeface="微軟正黑體" panose="020B0604030504040204" pitchFamily="34" charset="-120"/>
+              </a:rPr>
+              <a:t>於</a:t>
+            </a:r>
+            <a:r>
+              <a:rPr lang="zh-TW" altLang="en-US" dirty="0" smtClean="0">
+                <a:latin typeface="微軟正黑體" panose="020B0604030504040204" pitchFamily="34" charset="-120"/>
+                <a:ea typeface="微軟正黑體" panose="020B0604030504040204" pitchFamily="34" charset="-120"/>
+              </a:rPr>
+              <a:t>是新進人員的關係</a:t>
+            </a:r>
+            <a:r>
+              <a:rPr lang="zh-TW" altLang="en-US" dirty="0">
+                <a:latin typeface="微軟正黑體" panose="020B0604030504040204" pitchFamily="34" charset="-120"/>
+                <a:ea typeface="微軟正黑體" panose="020B0604030504040204" pitchFamily="34" charset="-120"/>
+              </a:rPr>
+              <a:t>，</a:t>
+            </a:r>
+            <a:r>
+              <a:rPr lang="zh-TW" altLang="en-US" dirty="0" smtClean="0">
+                <a:latin typeface="微軟正黑體" panose="020B0604030504040204" pitchFamily="34" charset="-120"/>
+                <a:ea typeface="微軟正黑體" panose="020B0604030504040204" pitchFamily="34" charset="-120"/>
+              </a:rPr>
+              <a:t>所以有時候會提供點心，還有問問近況等等的，</a:t>
+            </a:r>
+            <a:r>
+              <a:rPr lang="zh-TW" altLang="en-US" dirty="0" smtClean="0">
+                <a:latin typeface="微軟正黑體" panose="020B0604030504040204" pitchFamily="34" charset="-120"/>
+                <a:ea typeface="微軟正黑體" panose="020B0604030504040204" pitchFamily="34" charset="-120"/>
+              </a:rPr>
+              <a:t>然後</a:t>
+            </a:r>
+            <a:r>
+              <a:rPr lang="zh-TW" altLang="en-US" dirty="0">
+                <a:latin typeface="微軟正黑體" panose="020B0604030504040204" pitchFamily="34" charset="-120"/>
+                <a:ea typeface="微軟正黑體" panose="020B0604030504040204" pitchFamily="34" charset="-120"/>
+              </a:rPr>
+              <a:t>特別節日</a:t>
+            </a:r>
+            <a:r>
+              <a:rPr lang="zh-TW" altLang="en-US" dirty="0" smtClean="0">
+                <a:latin typeface="微軟正黑體" panose="020B0604030504040204" pitchFamily="34" charset="-120"/>
+                <a:ea typeface="微軟正黑體" panose="020B0604030504040204" pitchFamily="34" charset="-120"/>
+              </a:rPr>
+              <a:t>或生日</a:t>
+            </a:r>
+            <a:r>
+              <a:rPr lang="zh-TW" altLang="en-US" dirty="0" smtClean="0">
+                <a:latin typeface="微軟正黑體" panose="020B0604030504040204" pitchFamily="34" charset="-120"/>
+                <a:ea typeface="微軟正黑體" panose="020B0604030504040204" pitchFamily="34" charset="-120"/>
+              </a:rPr>
+              <a:t>時</a:t>
+            </a:r>
+            <a:r>
+              <a:rPr lang="zh-TW" altLang="en-US" dirty="0" smtClean="0">
+                <a:latin typeface="微軟正黑體" panose="020B0604030504040204" pitchFamily="34" charset="-120"/>
+                <a:ea typeface="微軟正黑體" panose="020B0604030504040204" pitchFamily="34" charset="-120"/>
+              </a:rPr>
+              <a:t>都會送禮</a:t>
+            </a:r>
+            <a:endParaRPr lang="zh-TW" altLang="en-US" dirty="0">
+              <a:latin typeface="微軟正黑體" panose="020B0604030504040204" pitchFamily="34" charset="-120"/>
+              <a:ea typeface="微軟正黑體" panose="020B0604030504040204" pitchFamily="34" charset="-120"/>
+            </a:endParaRPr>
+          </a:p>
+        </p:txBody>
+      </p:sp>
+      <p:sp>
+        <p:nvSpPr>
+          <p:cNvPr id="9" name="文字方塊 8"/>
+          <p:cNvSpPr txBox="1"/>
+          <p:nvPr/>
+        </p:nvSpPr>
+        <p:spPr>
+          <a:xfrm>
+            <a:off x="590451" y="3573016"/>
+            <a:ext cx="8352928" cy="646331"/>
+          </a:xfrm>
+          <a:prstGeom prst="rect">
+            <a:avLst/>
+          </a:prstGeom>
+          <a:noFill/>
+        </p:spPr>
+        <p:txBody>
+          <a:bodyPr wrap="square" rtlCol="0">
+            <a:spAutoFit/>
+          </a:bodyPr>
+          <a:lstStyle/>
+          <a:p>
+            <a:r>
+              <a:rPr lang="zh-TW" altLang="en-US" dirty="0" smtClean="0">
+                <a:latin typeface="微軟正黑體" panose="020B0604030504040204" pitchFamily="34" charset="-120"/>
+                <a:ea typeface="微軟正黑體" panose="020B0604030504040204" pitchFamily="34" charset="-120"/>
+              </a:rPr>
+              <a:t>設備方面</a:t>
+            </a:r>
+            <a:r>
+              <a:rPr lang="en-US" altLang="zh-TW" dirty="0" smtClean="0">
+                <a:latin typeface="微軟正黑體" panose="020B0604030504040204" pitchFamily="34" charset="-120"/>
+                <a:ea typeface="微軟正黑體" panose="020B0604030504040204" pitchFamily="34" charset="-120"/>
+              </a:rPr>
+              <a:t>:</a:t>
+            </a:r>
+          </a:p>
+          <a:p>
+            <a:r>
+              <a:rPr lang="zh-TW" altLang="en-US" dirty="0">
+                <a:latin typeface="微軟正黑體" panose="020B0604030504040204" pitchFamily="34" charset="-120"/>
+                <a:ea typeface="微軟正黑體" panose="020B0604030504040204" pitchFamily="34" charset="-120"/>
+              </a:rPr>
+              <a:t>有提供小型的</a:t>
+            </a:r>
+            <a:r>
+              <a:rPr lang="zh-TW" altLang="en-US" dirty="0" smtClean="0">
+                <a:latin typeface="微軟正黑體" panose="020B0604030504040204" pitchFamily="34" charset="-120"/>
+                <a:ea typeface="微軟正黑體" panose="020B0604030504040204" pitchFamily="34" charset="-120"/>
+              </a:rPr>
+              <a:t>健身房，保健室，以及盲胞按摩</a:t>
+            </a:r>
+            <a:endParaRPr lang="zh-TW" altLang="en-US" dirty="0">
+              <a:latin typeface="微軟正黑體" panose="020B0604030504040204" pitchFamily="34" charset="-120"/>
+              <a:ea typeface="微軟正黑體" panose="020B0604030504040204" pitchFamily="34" charset="-120"/>
+            </a:endParaRPr>
+          </a:p>
+        </p:txBody>
+      </p:sp>
+      <p:sp>
+        <p:nvSpPr>
+          <p:cNvPr id="10" name="文字方塊 9"/>
+          <p:cNvSpPr txBox="1"/>
+          <p:nvPr/>
+        </p:nvSpPr>
+        <p:spPr>
+          <a:xfrm>
+            <a:off x="590451" y="4449886"/>
             <a:ext cx="8352928" cy="923330"/>
           </a:xfrm>
           <a:prstGeom prst="rect">
@@ -9180,11 +9837,18 @@
           <a:lstStyle/>
           <a:p>
             <a:r>
+              <a:rPr lang="zh-TW" altLang="en-US" dirty="0">
+                <a:latin typeface="微軟正黑體" panose="020B0604030504040204" pitchFamily="34" charset="-120"/>
+                <a:ea typeface="微軟正黑體" panose="020B0604030504040204" pitchFamily="34" charset="-120"/>
+              </a:rPr>
+              <a:t>供餐</a:t>
+            </a:r>
+            <a:r>
               <a:rPr lang="zh-TW" altLang="en-US" dirty="0" smtClean="0">
                 <a:latin typeface="微軟正黑體" panose="020B0604030504040204" pitchFamily="34" charset="-120"/>
                 <a:ea typeface="微軟正黑體" panose="020B0604030504040204" pitchFamily="34" charset="-120"/>
               </a:rPr>
-              <a:t>員工關係部</a:t>
+              <a:t>方面</a:t>
             </a:r>
             <a:r>
               <a:rPr lang="en-US" altLang="zh-TW" dirty="0" smtClean="0">
@@ -9196,53 +9860,32 @@
           </a:p>
           <a:p>
             <a:r>
+              <a:rPr lang="zh-TW" altLang="en-US" dirty="0">
+                <a:latin typeface="微軟正黑體" panose="020B0604030504040204" pitchFamily="34" charset="-120"/>
+                <a:ea typeface="微軟正黑體" panose="020B0604030504040204" pitchFamily="34" charset="-120"/>
+              </a:rPr>
+              <a:t>由於公司裡面有自己的餐廳及</a:t>
+            </a:r>
+            <a:r>
               <a:rPr lang="zh-TW" altLang="en-US" dirty="0" smtClean="0">
                 <a:latin typeface="微軟正黑體" panose="020B0604030504040204" pitchFamily="34" charset="-120"/>
                 <a:ea typeface="微軟正黑體" panose="020B0604030504040204" pitchFamily="34" charset="-120"/>
               </a:rPr>
-              <a:t>由</a:t>
-            </a:r>
-            <a:r>
-              <a:rPr lang="zh-TW" altLang="en-US" dirty="0">
+              <a:t>咖啡廳，每天都有免費午餐可以三選一</a:t>
+            </a:r>
+            <a:r>
+              <a:rPr lang="en-US" altLang="zh-TW" dirty="0" smtClean="0">
                 <a:latin typeface="微軟正黑體" panose="020B0604030504040204" pitchFamily="34" charset="-120"/>
                 <a:ea typeface="微軟正黑體" panose="020B0604030504040204" pitchFamily="34" charset="-120"/>
               </a:rPr>
-              <a:t>於</a:t>
+              <a:t>(</a:t>
             </a:r>
             <a:r>
               <a:rPr lang="zh-TW" altLang="en-US" dirty="0" smtClean="0">
                 <a:latin typeface="微軟正黑體" panose="020B0604030504040204" pitchFamily="34" charset="-120"/>
                 <a:ea typeface="微軟正黑體" panose="020B0604030504040204" pitchFamily="34" charset="-120"/>
               </a:rPr>
-              <a:t>是新進人員的關係</a:t>
-            </a:r>
-            <a:r>
-              <a:rPr lang="zh-TW" altLang="en-US" dirty="0">
-                <a:latin typeface="微軟正黑體" panose="020B0604030504040204" pitchFamily="34" charset="-120"/>
-                <a:ea typeface="微軟正黑體" panose="020B0604030504040204" pitchFamily="34" charset="-120"/>
-              </a:rPr>
-              <a:t>，</a:t>
-            </a:r>
-            <a:r>
-              <a:rPr lang="zh-TW" altLang="en-US" dirty="0" smtClean="0">
-                <a:latin typeface="微軟正黑體" panose="020B0604030504040204" pitchFamily="34" charset="-120"/>
-                <a:ea typeface="微軟正黑體" panose="020B0604030504040204" pitchFamily="34" charset="-120"/>
-              </a:rPr>
-              <a:t>所以有時候會提供點心，還有問問近況等等的，然後節慶或者是生日時都會有送禮</a:t>
-            </a:r>
-            <a:r>
-              <a:rPr lang="en-US" altLang="zh-TW" dirty="0" smtClean="0">
-                <a:latin typeface="微軟正黑體" panose="020B0604030504040204" pitchFamily="34" charset="-120"/>
-                <a:ea typeface="微軟正黑體" panose="020B0604030504040204" pitchFamily="34" charset="-120"/>
-              </a:rPr>
-              <a:t>(App</a:t>
-            </a:r>
-            <a:r>
-              <a:rPr lang="zh-TW" altLang="en-US" dirty="0" smtClean="0">
-                <a:latin typeface="微軟正黑體" panose="020B0604030504040204" pitchFamily="34" charset="-120"/>
-                <a:ea typeface="微軟正黑體" panose="020B0604030504040204" pitchFamily="34" charset="-120"/>
-              </a:rPr>
-              <a:t>自選</a:t>
+              <a:t>麵食，自助餐，簡餐類</a:t>
             </a:r>
             <a:r>
               <a:rPr lang="en-US" altLang="zh-TW" dirty="0" smtClean="0">
@@ -9260,72 +9903,13 @@
       </p:sp>
       <p:sp>
         <p:nvSpPr>
-          <p:cNvPr id="9" name="文字方塊 8"/>
+          <p:cNvPr id="7" name="文字方塊 6"/>
           <p:cNvSpPr txBox="1"/>
           <p:nvPr/>
         </p:nvSpPr>
         <p:spPr>
           <a:xfrm>
-            <a:off x="590451" y="2420888"/>
-            <a:ext cx="8352928" cy="646331"/>
-          </a:xfrm>
-          <a:prstGeom prst="rect">
-            <a:avLst/>
-          </a:prstGeom>
-          <a:noFill/>
-        </p:spPr>
-        <p:txBody>
-          <a:bodyPr wrap="square" rtlCol="0">
-            <a:spAutoFit/>
-          </a:bodyPr>
-          <a:lstStyle/>
-          <a:p>
-            <a:r>
-              <a:rPr lang="zh-TW" altLang="en-US" dirty="0" smtClean="0">
-                <a:latin typeface="微軟正黑體" panose="020B0604030504040204" pitchFamily="34" charset="-120"/>
-                <a:ea typeface="微軟正黑體" panose="020B0604030504040204" pitchFamily="34" charset="-120"/>
-              </a:rPr>
-              <a:t>設備方面</a:t>
-            </a:r>
-            <a:r>
-              <a:rPr lang="en-US" altLang="zh-TW" dirty="0" smtClean="0">
-                <a:latin typeface="微軟正黑體" panose="020B0604030504040204" pitchFamily="34" charset="-120"/>
-                <a:ea typeface="微軟正黑體" panose="020B0604030504040204" pitchFamily="34" charset="-120"/>
-              </a:rPr>
-              <a:t>:</a:t>
-            </a:r>
-          </a:p>
-          <a:p>
-            <a:r>
-              <a:rPr lang="zh-TW" altLang="en-US" dirty="0">
-                <a:latin typeface="微軟正黑體" panose="020B0604030504040204" pitchFamily="34" charset="-120"/>
-                <a:ea typeface="微軟正黑體" panose="020B0604030504040204" pitchFamily="34" charset="-120"/>
-              </a:rPr>
-              <a:t>有提供小型的</a:t>
-            </a:r>
-            <a:r>
-              <a:rPr lang="zh-TW" altLang="en-US" dirty="0" smtClean="0">
-                <a:latin typeface="微軟正黑體" panose="020B0604030504040204" pitchFamily="34" charset="-120"/>
-                <a:ea typeface="微軟正黑體" panose="020B0604030504040204" pitchFamily="34" charset="-120"/>
-              </a:rPr>
-              <a:t>健身房，保健室，以及盲胞按摩</a:t>
-            </a:r>
-            <a:endParaRPr lang="zh-TW" altLang="en-US" dirty="0">
-              <a:latin typeface="微軟正黑體" panose="020B0604030504040204" pitchFamily="34" charset="-120"/>
-              <a:ea typeface="微軟正黑體" panose="020B0604030504040204" pitchFamily="34" charset="-120"/>
-            </a:endParaRPr>
-          </a:p>
-        </p:txBody>
-      </p:sp>
-      <p:sp>
-        <p:nvSpPr>
-          <p:cNvPr id="10" name="文字方塊 9"/>
-          <p:cNvSpPr txBox="1"/>
-          <p:nvPr/>
-        </p:nvSpPr>
-        <p:spPr>
-          <a:xfrm>
-            <a:off x="590451" y="3284984"/>
+            <a:off x="590451" y="1353542"/>
             <a:ext cx="8352928" cy="923330"/>
           </a:xfrm>
           <a:prstGeom prst="rect">
@@ -9340,18 +9924,11 @@
           <a:lstStyle/>
           <a:p>
             <a:r>
-              <a:rPr lang="zh-TW" altLang="en-US" dirty="0">
-                <a:latin typeface="微軟正黑體" panose="020B0604030504040204" pitchFamily="34" charset="-120"/>
-                <a:ea typeface="微軟正黑體" panose="020B0604030504040204" pitchFamily="34" charset="-120"/>
-              </a:rPr>
-              <a:t>供餐</a:t>
-            </a:r>
-            <a:r>
               <a:rPr lang="zh-TW" altLang="en-US" dirty="0" smtClean="0">
                 <a:latin typeface="微軟正黑體" panose="020B0604030504040204" pitchFamily="34" charset="-120"/>
                 <a:ea typeface="微軟正黑體" panose="020B0604030504040204" pitchFamily="34" charset="-120"/>
               </a:rPr>
-              <a:t>方面</a:t>
+              <a:t>基本配備</a:t>
             </a:r>
             <a:r>
               <a:rPr lang="en-US" altLang="zh-TW" dirty="0" smtClean="0">
@@ -9363,40 +9940,18 @@
           </a:p>
           <a:p>
             <a:r>
-              <a:rPr lang="zh-TW" altLang="en-US" dirty="0">
-                <a:latin typeface="微軟正黑體" panose="020B0604030504040204" pitchFamily="34" charset="-120"/>
-                <a:ea typeface="微軟正黑體" panose="020B0604030504040204" pitchFamily="34" charset="-120"/>
-              </a:rPr>
-              <a:t>由於公司裡面有自己的餐廳及</a:t>
-            </a:r>
-            <a:r>
               <a:rPr lang="zh-TW" altLang="en-US" dirty="0" smtClean="0">
                 <a:latin typeface="微軟正黑體" panose="020B0604030504040204" pitchFamily="34" charset="-120"/>
                 <a:ea typeface="微軟正黑體" panose="020B0604030504040204" pitchFamily="34" charset="-120"/>
               </a:rPr>
-              <a:t>咖啡廳，每天都有免費午餐可以三選一</a:t>
-            </a:r>
-            <a:r>
-              <a:rPr lang="en-US" altLang="zh-TW" dirty="0" smtClean="0">
-                <a:latin typeface="微軟正黑體" panose="020B0604030504040204" pitchFamily="34" charset="-120"/>
-                <a:ea typeface="微軟正黑體" panose="020B0604030504040204" pitchFamily="34" charset="-120"/>
-              </a:rPr>
-              <a:t>(</a:t>
-            </a:r>
-            <a:r>
-              <a:rPr lang="zh-TW" altLang="en-US" dirty="0" smtClean="0">
-                <a:latin typeface="微軟正黑體" panose="020B0604030504040204" pitchFamily="34" charset="-120"/>
-                <a:ea typeface="微軟正黑體" panose="020B0604030504040204" pitchFamily="34" charset="-120"/>
-              </a:rPr>
-              <a:t>麵食，自助餐，簡餐類</a:t>
-            </a:r>
-            <a:r>
-              <a:rPr lang="en-US" altLang="zh-TW" dirty="0" smtClean="0">
-                <a:latin typeface="微軟正黑體" panose="020B0604030504040204" pitchFamily="34" charset="-120"/>
-                <a:ea typeface="微軟正黑體" panose="020B0604030504040204" pitchFamily="34" charset="-120"/>
-              </a:rPr>
-              <a:t>)</a:t>
-            </a:r>
+              <a:t>每個人都有自己獨立的辦公桌，電腦，置物櫃，鞋櫃，車位等等的</a:t>
+            </a:r>
+            <a:endParaRPr lang="zh-TW" altLang="en-US" dirty="0">
+              <a:latin typeface="微軟正黑體" panose="020B0604030504040204" pitchFamily="34" charset="-120"/>
+              <a:ea typeface="微軟正黑體" panose="020B0604030504040204" pitchFamily="34" charset="-120"/>
+            </a:endParaRPr>
+          </a:p>
+          <a:p>
             <a:endParaRPr lang="zh-TW" altLang="en-US" dirty="0">
               <a:latin typeface="微軟正黑體" panose="020B0604030504040204" pitchFamily="34" charset="-120"/>
               <a:ea typeface="微軟正黑體" panose="020B0604030504040204" pitchFamily="34" charset="-120"/>
@@ -9507,14 +10062,14 @@
       </p:sp>
       <p:sp>
         <p:nvSpPr>
-          <p:cNvPr id="4" name="文字方塊 3"/>
+          <p:cNvPr id="7" name="文字方塊 6"/>
           <p:cNvSpPr txBox="1"/>
           <p:nvPr/>
         </p:nvSpPr>
         <p:spPr>
           <a:xfrm>
-            <a:off x="827584" y="1628800"/>
-            <a:ext cx="7056784" cy="2554545"/>
+            <a:off x="1355546" y="1760222"/>
+            <a:ext cx="5592941" cy="1477328"/>
           </a:xfrm>
           <a:prstGeom prst="rect">
             <a:avLst/>
@@ -9528,63 +10083,30 @@
           <a:lstStyle/>
           <a:p>
             <a:r>
-              <a:rPr lang="en-US" altLang="zh-TW" sz="2000" dirty="0" smtClean="0">
-                <a:latin typeface="微軟正黑體" panose="020B0604030504040204" pitchFamily="34" charset="-120"/>
-                <a:ea typeface="微軟正黑體" panose="020B0604030504040204" pitchFamily="34" charset="-120"/>
-              </a:rPr>
-              <a:t>	</a:t>
-            </a:r>
-            <a:r>
-              <a:rPr lang="zh-TW" altLang="en-US" sz="2000" dirty="0" smtClean="0">
-                <a:latin typeface="微軟正黑體" panose="020B0604030504040204" pitchFamily="34" charset="-120"/>
-                <a:ea typeface="微軟正黑體" panose="020B0604030504040204" pitchFamily="34" charset="-120"/>
-              </a:rPr>
-              <a:t>在實習的這段期間，其實工作上來說是算蠻愉快的，可能是因為學校課程所學到的應用及畢專所學到的技術，是可以很好的在工作上發揮。</a:t>
-            </a:r>
-            <a:endParaRPr lang="en-US" altLang="zh-TW" sz="2000" dirty="0" smtClean="0">
-              <a:latin typeface="微軟正黑體" panose="020B0604030504040204" pitchFamily="34" charset="-120"/>
-              <a:ea typeface="微軟正黑體" panose="020B0604030504040204" pitchFamily="34" charset="-120"/>
-            </a:endParaRPr>
-          </a:p>
-          <a:p>
-            <a:r>
-              <a:rPr lang="en-US" altLang="zh-TW" sz="2000" dirty="0" smtClean="0">
-                <a:latin typeface="微軟正黑體" panose="020B0604030504040204" pitchFamily="34" charset="-120"/>
-                <a:ea typeface="微軟正黑體" panose="020B0604030504040204" pitchFamily="34" charset="-120"/>
-              </a:rPr>
-              <a:t>	</a:t>
-            </a:r>
-            <a:r>
-              <a:rPr lang="zh-TW" altLang="en-US" sz="2000" dirty="0" smtClean="0">
-                <a:latin typeface="微軟正黑體" panose="020B0604030504040204" pitchFamily="34" charset="-120"/>
-                <a:ea typeface="微軟正黑體" panose="020B0604030504040204" pitchFamily="34" charset="-120"/>
-              </a:rPr>
-              <a:t>然後工作進度的部分，主管也沒有強制規定要做到哪邊，一切都是自己去決定，在自己控管的進度中也可以自學，而且主管人很好，有問題或是困難都可以討論。</a:t>
-            </a:r>
-            <a:endParaRPr lang="en-US" altLang="zh-TW" sz="2000" dirty="0" smtClean="0">
-              <a:latin typeface="微軟正黑體" panose="020B0604030504040204" pitchFamily="34" charset="-120"/>
-              <a:ea typeface="微軟正黑體" panose="020B0604030504040204" pitchFamily="34" charset="-120"/>
-            </a:endParaRPr>
-          </a:p>
-          <a:p>
-            <a:r>
-              <a:rPr lang="en-US" altLang="zh-TW" sz="2000" dirty="0">
-                <a:latin typeface="微軟正黑體" panose="020B0604030504040204" pitchFamily="34" charset="-120"/>
-                <a:ea typeface="微軟正黑體" panose="020B0604030504040204" pitchFamily="34" charset="-120"/>
-              </a:rPr>
-              <a:t>	</a:t>
-            </a:r>
-            <a:r>
-              <a:rPr lang="zh-TW" altLang="en-US" sz="2000" dirty="0" smtClean="0">
-                <a:latin typeface="微軟正黑體" panose="020B0604030504040204" pitchFamily="34" charset="-120"/>
-                <a:ea typeface="微軟正黑體" panose="020B0604030504040204" pitchFamily="34" charset="-120"/>
-              </a:rPr>
-              <a:t>所以如果是喜歡做專題方面的人，而且不想要整天被進度追著趕的人，我認為來晶元實習是很合適的。</a:t>
-            </a:r>
-            <a:endParaRPr lang="en-US" altLang="zh-TW" sz="2000" dirty="0" smtClean="0">
-              <a:latin typeface="微軟正黑體" panose="020B0604030504040204" pitchFamily="34" charset="-120"/>
-              <a:ea typeface="微軟正黑體" panose="020B0604030504040204" pitchFamily="34" charset="-120"/>
-            </a:endParaRPr>
+              <a:rPr lang="zh-TW" altLang="en-US" dirty="0" smtClean="0"/>
+              <a:t>生活作息</a:t>
+            </a:r>
+            <a:endParaRPr lang="en-US" altLang="zh-TW" dirty="0" smtClean="0"/>
+          </a:p>
+          <a:p>
+            <a:endParaRPr lang="en-US" altLang="zh-TW" dirty="0"/>
+          </a:p>
+          <a:p>
+            <a:r>
+              <a:rPr lang="zh-TW" altLang="en-US" dirty="0" smtClean="0"/>
+              <a:t>彈性及自由度很高</a:t>
+            </a:r>
+            <a:endParaRPr lang="en-US" altLang="zh-TW" dirty="0" smtClean="0"/>
+          </a:p>
+          <a:p>
+            <a:endParaRPr lang="en-US" altLang="zh-TW" dirty="0"/>
+          </a:p>
+          <a:p>
+            <a:r>
+              <a:rPr lang="zh-TW" altLang="en-US" dirty="0" smtClean="0"/>
+              <a:t>了解各部門的難處及痛點，提供最好的方案</a:t>
+            </a:r>
+            <a:endParaRPr lang="zh-TW" altLang="en-US" dirty="0"/>
           </a:p>
         </p:txBody>
       </p:sp>
@@ -9918,7 +10440,7 @@
   <a:extraClrSchemeLst/>
   <a:extLst>
     <a:ext uri="{05A4C25C-085E-4340-85A3-A5531E510DB2}">
-      <thm15:themeFamily xmlns:thm15="http://schemas.microsoft.com/office/thememl/2012/main" xmlns="" name="簡報2" id="{ECBFBA3E-09A8-4A92-90AA-7941E4E35168}" vid="{2A0C718C-3B72-474F-A996-1B128F4488FD}"/>
+      <thm15:themeFamily xmlns="" xmlns:thm15="http://schemas.microsoft.com/office/thememl/2012/main" name="簡報2" id="{ECBFBA3E-09A8-4A92-90AA-7941E4E35168}" vid="{2A0C718C-3B72-474F-A996-1B128F4488FD}"/>
     </a:ext>
   </a:extLst>
 </a:theme>
@@ -10241,7 +10763,7 @@
   <a:extraClrSchemeLst/>
   <a:extLst>
     <a:ext uri="{05A4C25C-085E-4340-85A3-A5531E510DB2}">
-      <thm15:themeFamily xmlns:thm15="http://schemas.microsoft.com/office/thememl/2012/main" xmlns="" name="簡報2" id="{ECBFBA3E-09A8-4A92-90AA-7941E4E35168}" vid="{4A4ED793-92D5-4DDF-BF1C-579B56B2D6F4}"/>
+      <thm15:themeFamily xmlns="" xmlns:thm15="http://schemas.microsoft.com/office/thememl/2012/main" name="簡報2" id="{ECBFBA3E-09A8-4A92-90AA-7941E4E35168}" vid="{4A4ED793-92D5-4DDF-BF1C-579B56B2D6F4}"/>
     </a:ext>
   </a:extLst>
 </a:theme>
@@ -10564,7 +11086,7 @@
   <a:extraClrSchemeLst/>
   <a:extLst>
     <a:ext uri="{05A4C25C-085E-4340-85A3-A5531E510DB2}">
-      <thm15:themeFamily xmlns:thm15="http://schemas.microsoft.com/office/thememl/2012/main" xmlns="" name="簡報2" id="{ECBFBA3E-09A8-4A92-90AA-7941E4E35168}" vid="{34766D51-07FC-43BA-9E1D-A23BF3B954B7}"/>
+      <thm15:themeFamily xmlns="" xmlns:thm15="http://schemas.microsoft.com/office/thememl/2012/main" name="簡報2" id="{ECBFBA3E-09A8-4A92-90AA-7941E4E35168}" vid="{34766D51-07FC-43BA-9E1D-A23BF3B954B7}"/>
     </a:ext>
   </a:extLst>
 </a:theme>
@@ -10887,7 +11409,7 @@
   <a:extraClrSchemeLst/>
   <a:extLst>
     <a:ext uri="{05A4C25C-085E-4340-85A3-A5531E510DB2}">
-      <thm15:themeFamily xmlns:thm15="http://schemas.microsoft.com/office/thememl/2012/main" xmlns="" name="簡報2" id="{ECBFBA3E-09A8-4A92-90AA-7941E4E35168}" vid="{5B1B4A1E-54A4-403B-B27D-E43F14C139C7}"/>
+      <thm15:themeFamily xmlns="" xmlns:thm15="http://schemas.microsoft.com/office/thememl/2012/main" name="簡報2" id="{ECBFBA3E-09A8-4A92-90AA-7941E4E35168}" vid="{5B1B4A1E-54A4-403B-B27D-E43F14C139C7}"/>
     </a:ext>
   </a:extLst>
 </a:theme>
@@ -11159,7 +11681,7 @@
   </a:extraClrSchemeLst>
   <a:extLst>
     <a:ext uri="{05A4C25C-085E-4340-85A3-A5531E510DB2}">
-      <thm15:themeFamily xmlns:thm15="http://schemas.microsoft.com/office/thememl/2012/main" xmlns="" name="簡報2" id="{ECBFBA3E-09A8-4A92-90AA-7941E4E35168}" vid="{3558FD56-1871-4587-B769-6AB3D9D0539A}"/>
+      <thm15:themeFamily xmlns="" xmlns:thm15="http://schemas.microsoft.com/office/thememl/2012/main" name="簡報2" id="{ECBFBA3E-09A8-4A92-90AA-7941E4E35168}" vid="{3558FD56-1871-4587-B769-6AB3D9D0539A}"/>
     </a:ext>
   </a:extLst>
 </a:theme>
